--- a/GameDesign/팀펄_소탕시스템기획.pptx
+++ b/GameDesign/팀펄_소탕시스템기획.pptx
@@ -268,7 +268,7 @@
       </p15:sldGuideLst>
     </p:ext>
     <p:ext uri="http://customooxmlschemas.google.com/">
-      <go:slidesCustomData xmlns:go="http://customooxmlschemas.google.com/" xmlns:ahyp="http://schemas.microsoft.com/office/drawing/2018/hyperlinkcolor" xmlns:p15="http://schemas.microsoft.com/office/powerpoint/2012/main" xmlns:p14="http://schemas.microsoft.com/office/powerpoint/2010/main" xmlns:com="http://schemas.openxmlformats.org/drawingml/2006/compatibility" xmlns:pvml="urn:schemas-microsoft-com:office:powerpoint" xmlns:v="urn:schemas-microsoft-com:vml" xmlns:o="urn:schemas-microsoft-com:office:office" xmlns:dgm="http://schemas.openxmlformats.org/drawingml/2006/diagram" xmlns:c="http://schemas.openxmlformats.org/drawingml/2006/chart" xmlns:mv="urn:schemas-microsoft-com:mac:vml" xmlns:mc="http://schemas.openxmlformats.org/markup-compatibility/2006" xmlns="" r:id="rId30" roundtripDataSignature="AMtx7miiSHJ3XJ4MW2M590OQDNRXdaDwBQ=="/>
+      <go:slidesCustomData xmlns="" xmlns:mc="http://schemas.openxmlformats.org/markup-compatibility/2006" xmlns:mv="urn:schemas-microsoft-com:mac:vml" xmlns:c="http://schemas.openxmlformats.org/drawingml/2006/chart" xmlns:dgm="http://schemas.openxmlformats.org/drawingml/2006/diagram" xmlns:o="urn:schemas-microsoft-com:office:office" xmlns:v="urn:schemas-microsoft-com:vml" xmlns:pvml="urn:schemas-microsoft-com:office:powerpoint" xmlns:com="http://schemas.openxmlformats.org/drawingml/2006/compatibility" xmlns:p14="http://schemas.microsoft.com/office/powerpoint/2010/main" xmlns:p15="http://schemas.microsoft.com/office/powerpoint/2012/main" xmlns:ahyp="http://schemas.microsoft.com/office/drawing/2018/hyperlinkcolor" xmlns:go="http://customooxmlschemas.google.com/" r:id="rId30" roundtripDataSignature="AMtx7miiSHJ3XJ4MW2M590OQDNRXdaDwBQ=="/>
     </p:ext>
   </p:extLst>
 </p:presentation>
@@ -13637,7 +13637,7 @@
         <p:spPr>
           <a:xfrm>
             <a:off x="838200" y="1078607"/>
-            <a:ext cx="10515599" cy="5356900"/>
+            <a:ext cx="10515599" cy="2350393"/>
           </a:xfrm>
           <a:prstGeom prst="rect">
             <a:avLst/>
@@ -14050,66 +14050,6 @@
           </a:p>
         </p:txBody>
       </p:sp>
-      <p:pic>
-        <p:nvPicPr>
-          <p:cNvPr id="250" name="그림 249">
-            <a:extLst>
-              <a:ext uri="{FF2B5EF4-FFF2-40B4-BE49-F238E27FC236}">
-                <a16:creationId xmlns:a16="http://schemas.microsoft.com/office/drawing/2014/main" id="{7E07EDF7-2DEA-47FD-19F3-483F8C8C8C10}"/>
-              </a:ext>
-            </a:extLst>
-          </p:cNvPr>
-          <p:cNvPicPr>
-            <a:picLocks noChangeAspect="1"/>
-          </p:cNvPicPr>
-          <p:nvPr/>
-        </p:nvPicPr>
-        <p:blipFill>
-          <a:blip r:embed="rId3"/>
-          <a:stretch>
-            <a:fillRect/>
-          </a:stretch>
-        </p:blipFill>
-        <p:spPr>
-          <a:xfrm>
-            <a:off x="1426280" y="3774068"/>
-            <a:ext cx="5701352" cy="2320001"/>
-          </a:xfrm>
-          <a:prstGeom prst="rect">
-            <a:avLst/>
-          </a:prstGeom>
-        </p:spPr>
-      </p:pic>
-      <p:pic>
-        <p:nvPicPr>
-          <p:cNvPr id="251" name="그림 250">
-            <a:extLst>
-              <a:ext uri="{FF2B5EF4-FFF2-40B4-BE49-F238E27FC236}">
-                <a16:creationId xmlns:a16="http://schemas.microsoft.com/office/drawing/2014/main" id="{5655D5EA-4DF3-5AAD-87B9-10EC0AAEBAF0}"/>
-              </a:ext>
-            </a:extLst>
-          </p:cNvPr>
-          <p:cNvPicPr>
-            <a:picLocks noChangeAspect="1"/>
-          </p:cNvPicPr>
-          <p:nvPr/>
-        </p:nvPicPr>
-        <p:blipFill>
-          <a:blip r:embed="rId4"/>
-          <a:stretch>
-            <a:fillRect/>
-          </a:stretch>
-        </p:blipFill>
-        <p:spPr>
-          <a:xfrm>
-            <a:off x="7547772" y="3920256"/>
-            <a:ext cx="3471920" cy="2173813"/>
-          </a:xfrm>
-          <a:prstGeom prst="rect">
-            <a:avLst/>
-          </a:prstGeom>
-        </p:spPr>
-      </p:pic>
       <p:sp>
         <p:nvSpPr>
           <p:cNvPr id="252" name="TextBox 251">
@@ -14124,7 +14064,7 @@
         </p:nvSpPr>
         <p:spPr>
           <a:xfrm>
-            <a:off x="1105426" y="4045623"/>
+            <a:off x="1074049" y="3670895"/>
             <a:ext cx="441146" cy="400110"/>
           </a:xfrm>
           <a:prstGeom prst="rect">
@@ -14170,7 +14110,7 @@
         </p:nvSpPr>
         <p:spPr>
           <a:xfrm>
-            <a:off x="1867426" y="4245678"/>
+            <a:off x="1867426" y="4048970"/>
             <a:ext cx="441146" cy="400110"/>
           </a:xfrm>
           <a:prstGeom prst="rect">
@@ -14202,6 +14142,36 @@
           </a:p>
         </p:txBody>
       </p:sp>
+      <p:pic>
+        <p:nvPicPr>
+          <p:cNvPr id="274" name="그림 273">
+            <a:extLst>
+              <a:ext uri="{FF2B5EF4-FFF2-40B4-BE49-F238E27FC236}">
+                <a16:creationId xmlns:a16="http://schemas.microsoft.com/office/drawing/2014/main" id="{A5EF5A24-53F9-2EF9-4A0D-1DB7DC11E692}"/>
+              </a:ext>
+            </a:extLst>
+          </p:cNvPr>
+          <p:cNvPicPr>
+            <a:picLocks noChangeAspect="1"/>
+          </p:cNvPicPr>
+          <p:nvPr/>
+        </p:nvPicPr>
+        <p:blipFill>
+          <a:blip r:embed="rId3"/>
+          <a:stretch>
+            <a:fillRect/>
+          </a:stretch>
+        </p:blipFill>
+        <p:spPr>
+          <a:xfrm>
+            <a:off x="1486426" y="3670895"/>
+            <a:ext cx="5701352" cy="1911790"/>
+          </a:xfrm>
+          <a:prstGeom prst="rect">
+            <a:avLst/>
+          </a:prstGeom>
+        </p:spPr>
+      </p:pic>
       <p:sp>
         <p:nvSpPr>
           <p:cNvPr id="254" name="TextBox 253">
@@ -14216,8 +14186,84 @@
         </p:nvSpPr>
         <p:spPr>
           <a:xfrm>
-            <a:off x="5654853" y="3777916"/>
+            <a:off x="6181956" y="4226680"/>
             <a:ext cx="441146" cy="400110"/>
+          </a:xfrm>
+          <a:prstGeom prst="rect">
+            <a:avLst/>
+          </a:prstGeom>
+          <a:noFill/>
+        </p:spPr>
+        <p:txBody>
+          <a:bodyPr wrap="square" rtlCol="0">
+            <a:spAutoFit/>
+          </a:bodyPr>
+          <a:lstStyle/>
+          <a:p>
+            <a:r>
+              <a:rPr lang="ko-KR" altLang="en-US" sz="2000" b="1" dirty="0">
+                <a:solidFill>
+                  <a:srgbClr val="FF0000"/>
+                </a:solidFill>
+                <a:latin typeface="맑은 고딕" panose="020B0503020000020004" pitchFamily="50" charset="-127"/>
+                <a:ea typeface="맑은 고딕" panose="020B0503020000020004" pitchFamily="50" charset="-127"/>
+              </a:rPr>
+              <a:t>③</a:t>
+            </a:r>
+            <a:endParaRPr lang="ko-KR" altLang="en-US" sz="2000" b="1" dirty="0">
+              <a:solidFill>
+                <a:srgbClr val="FF0000"/>
+              </a:solidFill>
+            </a:endParaRPr>
+          </a:p>
+        </p:txBody>
+      </p:sp>
+      <p:pic>
+        <p:nvPicPr>
+          <p:cNvPr id="275" name="그림 274">
+            <a:extLst>
+              <a:ext uri="{FF2B5EF4-FFF2-40B4-BE49-F238E27FC236}">
+                <a16:creationId xmlns:a16="http://schemas.microsoft.com/office/drawing/2014/main" id="{FA2383AE-BF1B-B9F8-5064-EACF74FE474A}"/>
+              </a:ext>
+            </a:extLst>
+          </p:cNvPr>
+          <p:cNvPicPr>
+            <a:picLocks noChangeAspect="1"/>
+          </p:cNvPicPr>
+          <p:nvPr/>
+        </p:nvPicPr>
+        <p:blipFill>
+          <a:blip r:embed="rId4"/>
+          <a:stretch>
+            <a:fillRect/>
+          </a:stretch>
+        </p:blipFill>
+        <p:spPr>
+          <a:xfrm>
+            <a:off x="7540009" y="3670895"/>
+            <a:ext cx="3442583" cy="1911790"/>
+          </a:xfrm>
+          <a:prstGeom prst="rect">
+            <a:avLst/>
+          </a:prstGeom>
+        </p:spPr>
+      </p:pic>
+      <p:sp>
+        <p:nvSpPr>
+          <p:cNvPr id="276" name="TextBox 275">
+            <a:extLst>
+              <a:ext uri="{FF2B5EF4-FFF2-40B4-BE49-F238E27FC236}">
+                <a16:creationId xmlns:a16="http://schemas.microsoft.com/office/drawing/2014/main" id="{B7D84E7E-C8B7-9FE5-B444-5BDFE826A1CC}"/>
+              </a:ext>
+            </a:extLst>
+          </p:cNvPr>
+          <p:cNvSpPr txBox="1"/>
+          <p:nvPr/>
+        </p:nvSpPr>
+        <p:spPr>
+          <a:xfrm>
+            <a:off x="8162925" y="5656282"/>
+            <a:ext cx="2214068" cy="246221"/>
           </a:xfrm>
           <a:prstGeom prst="rect">
             <a:avLst/>
@@ -14231,20 +14277,9 @@
           <a:lstStyle/>
           <a:p>
             <a:r>
-              <a:rPr lang="ko-KR" altLang="en-US" sz="2000" b="1" dirty="0">
-                <a:solidFill>
-                  <a:srgbClr val="FF0000"/>
-                </a:solidFill>
-                <a:latin typeface="맑은 고딕" panose="020B0503020000020004" pitchFamily="50" charset="-127"/>
-                <a:ea typeface="맑은 고딕" panose="020B0503020000020004" pitchFamily="50" charset="-127"/>
-              </a:rPr>
-              <a:t>③</a:t>
-            </a:r>
-            <a:endParaRPr lang="ko-KR" altLang="en-US" sz="2000" b="1" dirty="0">
-              <a:solidFill>
-                <a:srgbClr val="FF0000"/>
-              </a:solidFill>
-            </a:endParaRPr>
+              <a:rPr lang="ko-KR" altLang="en-US" sz="1000" dirty="0"/>
+              <a:t>접근 불가능한 스테이지는 비활성화</a:t>
+            </a:r>
           </a:p>
         </p:txBody>
       </p:sp>

--- a/GameDesign/팀펄_소탕시스템기획.pptx
+++ b/GameDesign/팀펄_소탕시스템기획.pptx
@@ -268,7 +268,7 @@
       </p15:sldGuideLst>
     </p:ext>
     <p:ext uri="http://customooxmlschemas.google.com/">
-      <go:slidesCustomData xmlns="" xmlns:mc="http://schemas.openxmlformats.org/markup-compatibility/2006" xmlns:mv="urn:schemas-microsoft-com:mac:vml" xmlns:c="http://schemas.openxmlformats.org/drawingml/2006/chart" xmlns:dgm="http://schemas.openxmlformats.org/drawingml/2006/diagram" xmlns:o="urn:schemas-microsoft-com:office:office" xmlns:v="urn:schemas-microsoft-com:vml" xmlns:pvml="urn:schemas-microsoft-com:office:powerpoint" xmlns:com="http://schemas.openxmlformats.org/drawingml/2006/compatibility" xmlns:p14="http://schemas.microsoft.com/office/powerpoint/2010/main" xmlns:p15="http://schemas.microsoft.com/office/powerpoint/2012/main" xmlns:ahyp="http://schemas.microsoft.com/office/drawing/2018/hyperlinkcolor" xmlns:go="http://customooxmlschemas.google.com/" r:id="rId30" roundtripDataSignature="AMtx7miiSHJ3XJ4MW2M590OQDNRXdaDwBQ=="/>
+      <go:slidesCustomData xmlns:go="http://customooxmlschemas.google.com/" xmlns:ahyp="http://schemas.microsoft.com/office/drawing/2018/hyperlinkcolor" xmlns:p15="http://schemas.microsoft.com/office/powerpoint/2012/main" xmlns:p14="http://schemas.microsoft.com/office/powerpoint/2010/main" xmlns:com="http://schemas.openxmlformats.org/drawingml/2006/compatibility" xmlns:pvml="urn:schemas-microsoft-com:office:powerpoint" xmlns:v="urn:schemas-microsoft-com:vml" xmlns:o="urn:schemas-microsoft-com:office:office" xmlns:dgm="http://schemas.openxmlformats.org/drawingml/2006/diagram" xmlns:c="http://schemas.openxmlformats.org/drawingml/2006/chart" xmlns:mv="urn:schemas-microsoft-com:mac:vml" xmlns:mc="http://schemas.openxmlformats.org/markup-compatibility/2006" xmlns="" r:id="rId30" roundtripDataSignature="AMtx7miiSHJ3XJ4MW2M590OQDNRXdaDwBQ=="/>
     </p:ext>
   </p:extLst>
 </p:presentation>

--- a/GameDesign/팀펄_소탕시스템기획.pptx
+++ b/GameDesign/팀펄_소탕시스템기획.pptx
@@ -5,7 +5,7 @@
     <p:sldMasterId id="2147483648" r:id="rId1"/>
   </p:sldMasterIdLst>
   <p:notesMasterIdLst>
-    <p:notesMasterId r:id="rId14"/>
+    <p:notesMasterId r:id="rId15"/>
   </p:notesMasterIdLst>
   <p:sldIdLst>
     <p:sldId id="268" r:id="rId2"/>
@@ -18,8 +18,9 @@
     <p:sldId id="1506" r:id="rId9"/>
     <p:sldId id="1508" r:id="rId10"/>
     <p:sldId id="1510" r:id="rId11"/>
-    <p:sldId id="1509" r:id="rId12"/>
-    <p:sldId id="1511" r:id="rId13"/>
+    <p:sldId id="1512" r:id="rId12"/>
+    <p:sldId id="1509" r:id="rId13"/>
+    <p:sldId id="1511" r:id="rId14"/>
   </p:sldIdLst>
   <p:sldSz cx="12192000" cy="6858000"/>
   <p:notesSz cx="6858000" cy="9144000"/>
@@ -268,7 +269,7 @@
       </p15:sldGuideLst>
     </p:ext>
     <p:ext uri="http://customooxmlschemas.google.com/">
-      <go:slidesCustomData xmlns:go="http://customooxmlschemas.google.com/" xmlns:ahyp="http://schemas.microsoft.com/office/drawing/2018/hyperlinkcolor" xmlns:p15="http://schemas.microsoft.com/office/powerpoint/2012/main" xmlns:p14="http://schemas.microsoft.com/office/powerpoint/2010/main" xmlns:com="http://schemas.openxmlformats.org/drawingml/2006/compatibility" xmlns:pvml="urn:schemas-microsoft-com:office:powerpoint" xmlns:v="urn:schemas-microsoft-com:vml" xmlns:o="urn:schemas-microsoft-com:office:office" xmlns:dgm="http://schemas.openxmlformats.org/drawingml/2006/diagram" xmlns:c="http://schemas.openxmlformats.org/drawingml/2006/chart" xmlns:mv="urn:schemas-microsoft-com:mac:vml" xmlns:mc="http://schemas.openxmlformats.org/markup-compatibility/2006" xmlns="" r:id="rId30" roundtripDataSignature="AMtx7miiSHJ3XJ4MW2M590OQDNRXdaDwBQ=="/>
+      <go:slidesCustomData xmlns="" xmlns:mc="http://schemas.openxmlformats.org/markup-compatibility/2006" xmlns:mv="urn:schemas-microsoft-com:mac:vml" xmlns:c="http://schemas.openxmlformats.org/drawingml/2006/chart" xmlns:dgm="http://schemas.openxmlformats.org/drawingml/2006/diagram" xmlns:o="urn:schemas-microsoft-com:office:office" xmlns:v="urn:schemas-microsoft-com:vml" xmlns:pvml="urn:schemas-microsoft-com:office:powerpoint" xmlns:com="http://schemas.openxmlformats.org/drawingml/2006/compatibility" xmlns:p14="http://schemas.microsoft.com/office/powerpoint/2010/main" xmlns:p15="http://schemas.microsoft.com/office/powerpoint/2012/main" xmlns:ahyp="http://schemas.microsoft.com/office/drawing/2018/hyperlinkcolor" xmlns:go="http://customooxmlschemas.google.com/" r:id="rId30" roundtripDataSignature="AMtx7miiSHJ3XJ4MW2M590OQDNRXdaDwBQ=="/>
     </p:ext>
   </p:extLst>
 </p:presentation>
@@ -2230,6 +2231,123 @@
     </p:spTree>
     <p:extLst>
       <p:ext uri="{BB962C8B-B14F-4D97-AF65-F5344CB8AC3E}">
+        <p14:creationId xmlns:p14="http://schemas.microsoft.com/office/powerpoint/2010/main" val="1569918140"/>
+      </p:ext>
+    </p:extLst>
+  </p:cSld>
+  <p:clrMapOvr>
+    <a:masterClrMapping/>
+  </p:clrMapOvr>
+</p:notes>
+</file>
+
+<file path=ppt/notesSlides/notesSlide11.xml><?xml version="1.0" encoding="utf-8"?>
+<p:notes xmlns:a="http://schemas.openxmlformats.org/drawingml/2006/main" xmlns:r="http://schemas.openxmlformats.org/officeDocument/2006/relationships" xmlns:p="http://schemas.openxmlformats.org/presentationml/2006/main">
+  <p:cSld>
+    <p:spTree>
+      <p:nvGrpSpPr>
+        <p:cNvPr id="1" name=""/>
+        <p:cNvGrpSpPr/>
+        <p:nvPr/>
+      </p:nvGrpSpPr>
+      <p:grpSpPr>
+        <a:xfrm>
+          <a:off x="0" y="0"/>
+          <a:ext cx="0" cy="0"/>
+          <a:chOff x="0" y="0"/>
+          <a:chExt cx="0" cy="0"/>
+        </a:xfrm>
+      </p:grpSpPr>
+      <p:sp>
+        <p:nvSpPr>
+          <p:cNvPr id="2" name="슬라이드 이미지 개체 틀 1"/>
+          <p:cNvSpPr>
+            <a:spLocks noGrp="1" noRot="1" noChangeAspect="1"/>
+          </p:cNvSpPr>
+          <p:nvPr>
+            <p:ph type="sldImg"/>
+          </p:nvPr>
+        </p:nvSpPr>
+        <p:spPr/>
+      </p:sp>
+      <p:sp>
+        <p:nvSpPr>
+          <p:cNvPr id="3" name="슬라이드 노트 개체 틀 2"/>
+          <p:cNvSpPr>
+            <a:spLocks noGrp="1"/>
+          </p:cNvSpPr>
+          <p:nvPr>
+            <p:ph type="body" idx="1"/>
+          </p:nvPr>
+        </p:nvSpPr>
+        <p:spPr/>
+        <p:txBody>
+          <a:bodyPr/>
+          <a:lstStyle/>
+          <a:p>
+            <a:endParaRPr lang="ko-KR" altLang="en-US" dirty="0"/>
+          </a:p>
+        </p:txBody>
+      </p:sp>
+      <p:sp>
+        <p:nvSpPr>
+          <p:cNvPr id="4" name="슬라이드 번호 개체 틀 3"/>
+          <p:cNvSpPr>
+            <a:spLocks noGrp="1"/>
+          </p:cNvSpPr>
+          <p:nvPr>
+            <p:ph type="sldNum" idx="12"/>
+          </p:nvPr>
+        </p:nvSpPr>
+        <p:spPr/>
+        <p:txBody>
+          <a:bodyPr/>
+          <a:lstStyle/>
+          <a:p>
+            <a:pPr marL="0" marR="0" lvl="0" indent="0" algn="r" rtl="0">
+              <a:lnSpc>
+                <a:spcPct val="100000"/>
+              </a:lnSpc>
+              <a:spcBef>
+                <a:spcPts val="0"/>
+              </a:spcBef>
+              <a:spcAft>
+                <a:spcPts val="0"/>
+              </a:spcAft>
+              <a:buClr>
+                <a:srgbClr val="000000"/>
+              </a:buClr>
+              <a:buSzPts val="1200"/>
+              <a:buFont typeface="Arial"/>
+              <a:buNone/>
+            </a:pPr>
+            <a:fld id="{00000000-1234-1234-1234-123412341234}" type="slidenum">
+              <a:rPr lang="en-US" sz="1200" b="0" i="0" u="none" strike="noStrike" cap="none" smtClean="0">
+                <a:solidFill>
+                  <a:schemeClr val="dk1"/>
+                </a:solidFill>
+                <a:latin typeface="Malgun Gothic"/>
+                <a:ea typeface="Malgun Gothic"/>
+                <a:cs typeface="Malgun Gothic"/>
+                <a:sym typeface="Malgun Gothic"/>
+              </a:rPr>
+              <a:t>12</a:t>
+            </a:fld>
+            <a:endParaRPr lang="en-US" sz="1200" b="0" i="0" u="none" strike="noStrike" cap="none">
+              <a:solidFill>
+                <a:schemeClr val="dk1"/>
+              </a:solidFill>
+              <a:latin typeface="Malgun Gothic"/>
+              <a:ea typeface="Malgun Gothic"/>
+              <a:cs typeface="Malgun Gothic"/>
+              <a:sym typeface="Malgun Gothic"/>
+            </a:endParaRPr>
+          </a:p>
+        </p:txBody>
+      </p:sp>
+    </p:spTree>
+    <p:extLst>
+      <p:ext uri="{BB962C8B-B14F-4D97-AF65-F5344CB8AC3E}">
         <p14:creationId xmlns:p14="http://schemas.microsoft.com/office/powerpoint/2010/main" val="2411556334"/>
       </p:ext>
     </p:extLst>
@@ -2240,7 +2358,7 @@
 </p:notes>
 </file>
 
-<file path=ppt/notesSlides/notesSlide11.xml><?xml version="1.0" encoding="utf-8"?>
+<file path=ppt/notesSlides/notesSlide12.xml><?xml version="1.0" encoding="utf-8"?>
 <p:notes xmlns:a="http://schemas.openxmlformats.org/drawingml/2006/main" xmlns:r="http://schemas.openxmlformats.org/officeDocument/2006/relationships" xmlns:p="http://schemas.openxmlformats.org/presentationml/2006/main" showMasterSp="0" showMasterPhAnim="0">
   <p:cSld>
     <p:spTree>
@@ -6992,14 +7110,14 @@
           <p:nvPr>
             <p:extLst>
               <p:ext uri="{D42A27DB-BD31-4B8C-83A1-F6EECF244321}">
-                <p14:modId xmlns:p14="http://schemas.microsoft.com/office/powerpoint/2010/main" val="3618514312"/>
+                <p14:modId xmlns:p14="http://schemas.microsoft.com/office/powerpoint/2010/main" val="2029090923"/>
               </p:ext>
             </p:extLst>
           </p:nvPr>
         </p:nvGraphicFramePr>
         <p:xfrm>
           <a:off x="495238" y="1567350"/>
-          <a:ext cx="11201522" cy="1483360"/>
+          <a:ext cx="11201522" cy="1219200"/>
         </p:xfrm>
         <a:graphic>
           <a:graphicData uri="http://schemas.openxmlformats.org/drawingml/2006/table">
@@ -7135,7 +7253,7 @@
                   </a:extLst>
                 </a:gridCol>
               </a:tblGrid>
-              <a:tr h="370840">
+              <a:tr h="282151">
                 <a:tc>
                   <a:txBody>
                     <a:bodyPr/>
@@ -7411,7 +7529,7 @@
                   </a:ext>
                 </a:extLst>
               </a:tr>
-              <a:tr h="370840">
+              <a:tr h="282151">
                 <a:tc>
                   <a:txBody>
                     <a:bodyPr/>
@@ -7678,7 +7796,7 @@
                   </a:ext>
                 </a:extLst>
               </a:tr>
-              <a:tr h="370840">
+              <a:tr h="282151">
                 <a:tc>
                   <a:txBody>
                     <a:bodyPr/>
@@ -7978,7 +8096,7 @@
                   </a:ext>
                 </a:extLst>
               </a:tr>
-              <a:tr h="370840">
+              <a:tr h="282151">
                 <a:tc>
                   <a:txBody>
                     <a:bodyPr/>
@@ -8250,14 +8368,14 @@
           <p:nvPr>
             <p:extLst>
               <p:ext uri="{D42A27DB-BD31-4B8C-83A1-F6EECF244321}">
-                <p14:modId xmlns:p14="http://schemas.microsoft.com/office/powerpoint/2010/main" val="2913209310"/>
+                <p14:modId xmlns:p14="http://schemas.microsoft.com/office/powerpoint/2010/main" val="2931811402"/>
               </p:ext>
             </p:extLst>
           </p:nvPr>
         </p:nvGraphicFramePr>
         <p:xfrm>
-          <a:off x="495238" y="3807291"/>
-          <a:ext cx="11201522" cy="1483360"/>
+          <a:off x="495238" y="3197691"/>
+          <a:ext cx="11201522" cy="1219200"/>
         </p:xfrm>
         <a:graphic>
           <a:graphicData uri="http://schemas.openxmlformats.org/drawingml/2006/table">
@@ -8393,7 +8511,7 @@
                   </a:extLst>
                 </a:gridCol>
               </a:tblGrid>
-              <a:tr h="370840">
+              <a:tr h="282151">
                 <a:tc>
                   <a:txBody>
                     <a:bodyPr/>
@@ -8669,7 +8787,7 @@
                   </a:ext>
                 </a:extLst>
               </a:tr>
-              <a:tr h="370840">
+              <a:tr h="282151">
                 <a:tc>
                   <a:txBody>
                     <a:bodyPr/>
@@ -8927,7 +9045,7 @@
                   </a:ext>
                 </a:extLst>
               </a:tr>
-              <a:tr h="370840">
+              <a:tr h="282151">
                 <a:tc>
                   <a:txBody>
                     <a:bodyPr/>
@@ -9227,7 +9345,7 @@
                   </a:ext>
                 </a:extLst>
               </a:tr>
-              <a:tr h="370840">
+              <a:tr h="282151">
                 <a:tc>
                   <a:txBody>
                     <a:bodyPr/>
@@ -9469,6 +9587,1317 @@
                       <a:r>
                         <a:rPr lang="en-US" altLang="ko-KR" dirty="0"/>
                         <a:t>3</a:t>
+                      </a:r>
+                      <a:r>
+                        <a:rPr lang="ko-KR" altLang="en-US" dirty="0"/>
+                        <a:t>킬</a:t>
+                      </a:r>
+                    </a:p>
+                  </a:txBody>
+                  <a:tcPr/>
+                </a:tc>
+                <a:extLst>
+                  <a:ext uri="{0D108BD9-81ED-4DB2-BD59-A6C34878D82A}">
+                    <a16:rowId xmlns:a16="http://schemas.microsoft.com/office/drawing/2014/main" val="200187993"/>
+                  </a:ext>
+                </a:extLst>
+              </a:tr>
+            </a:tbl>
+          </a:graphicData>
+        </a:graphic>
+      </p:graphicFrame>
+      <p:graphicFrame>
+        <p:nvGraphicFramePr>
+          <p:cNvPr id="3" name="표 6">
+            <a:extLst>
+              <a:ext uri="{FF2B5EF4-FFF2-40B4-BE49-F238E27FC236}">
+                <a16:creationId xmlns:a16="http://schemas.microsoft.com/office/drawing/2014/main" id="{4F98B51B-DB13-8B01-CC99-C1AE651FEF85}"/>
+              </a:ext>
+            </a:extLst>
+          </p:cNvPr>
+          <p:cNvGraphicFramePr>
+            <a:graphicFrameLocks noGrp="1"/>
+          </p:cNvGraphicFramePr>
+          <p:nvPr>
+            <p:extLst>
+              <p:ext uri="{D42A27DB-BD31-4B8C-83A1-F6EECF244321}">
+                <p14:modId xmlns:p14="http://schemas.microsoft.com/office/powerpoint/2010/main" val="303358974"/>
+              </p:ext>
+            </p:extLst>
+          </p:nvPr>
+        </p:nvGraphicFramePr>
+        <p:xfrm>
+          <a:off x="495238" y="4828032"/>
+          <a:ext cx="11201522" cy="1219200"/>
+        </p:xfrm>
+        <a:graphic>
+          <a:graphicData uri="http://schemas.openxmlformats.org/drawingml/2006/table">
+            <a:tbl>
+              <a:tblPr firstRow="1" bandRow="1">
+                <a:tableStyleId>{5940675A-B579-460E-94D1-54222C63F5DA}</a:tableStyleId>
+              </a:tblPr>
+              <a:tblGrid>
+                <a:gridCol w="1404361">
+                  <a:extLst>
+                    <a:ext uri="{9D8B030D-6E8A-4147-A177-3AD203B41FA5}">
+                      <a16:colId xmlns:a16="http://schemas.microsoft.com/office/drawing/2014/main" val="3278806615"/>
+                    </a:ext>
+                  </a:extLst>
+                </a:gridCol>
+                <a:gridCol w="464457">
+                  <a:extLst>
+                    <a:ext uri="{9D8B030D-6E8A-4147-A177-3AD203B41FA5}">
+                      <a16:colId xmlns:a16="http://schemas.microsoft.com/office/drawing/2014/main" val="398399140"/>
+                    </a:ext>
+                  </a:extLst>
+                </a:gridCol>
+                <a:gridCol w="583294">
+                  <a:extLst>
+                    <a:ext uri="{9D8B030D-6E8A-4147-A177-3AD203B41FA5}">
+                      <a16:colId xmlns:a16="http://schemas.microsoft.com/office/drawing/2014/main" val="1278134390"/>
+                    </a:ext>
+                  </a:extLst>
+                </a:gridCol>
+                <a:gridCol w="583294">
+                  <a:extLst>
+                    <a:ext uri="{9D8B030D-6E8A-4147-A177-3AD203B41FA5}">
+                      <a16:colId xmlns:a16="http://schemas.microsoft.com/office/drawing/2014/main" val="40717878"/>
+                    </a:ext>
+                  </a:extLst>
+                </a:gridCol>
+                <a:gridCol w="583294">
+                  <a:extLst>
+                    <a:ext uri="{9D8B030D-6E8A-4147-A177-3AD203B41FA5}">
+                      <a16:colId xmlns:a16="http://schemas.microsoft.com/office/drawing/2014/main" val="1021668403"/>
+                    </a:ext>
+                  </a:extLst>
+                </a:gridCol>
+                <a:gridCol w="583294">
+                  <a:extLst>
+                    <a:ext uri="{9D8B030D-6E8A-4147-A177-3AD203B41FA5}">
+                      <a16:colId xmlns:a16="http://schemas.microsoft.com/office/drawing/2014/main" val="4028063726"/>
+                    </a:ext>
+                  </a:extLst>
+                </a:gridCol>
+                <a:gridCol w="583294">
+                  <a:extLst>
+                    <a:ext uri="{9D8B030D-6E8A-4147-A177-3AD203B41FA5}">
+                      <a16:colId xmlns:a16="http://schemas.microsoft.com/office/drawing/2014/main" val="837754176"/>
+                    </a:ext>
+                  </a:extLst>
+                </a:gridCol>
+                <a:gridCol w="583294">
+                  <a:extLst>
+                    <a:ext uri="{9D8B030D-6E8A-4147-A177-3AD203B41FA5}">
+                      <a16:colId xmlns:a16="http://schemas.microsoft.com/office/drawing/2014/main" val="2339322482"/>
+                    </a:ext>
+                  </a:extLst>
+                </a:gridCol>
+                <a:gridCol w="583294">
+                  <a:extLst>
+                    <a:ext uri="{9D8B030D-6E8A-4147-A177-3AD203B41FA5}">
+                      <a16:colId xmlns:a16="http://schemas.microsoft.com/office/drawing/2014/main" val="2653500809"/>
+                    </a:ext>
+                  </a:extLst>
+                </a:gridCol>
+                <a:gridCol w="583294">
+                  <a:extLst>
+                    <a:ext uri="{9D8B030D-6E8A-4147-A177-3AD203B41FA5}">
+                      <a16:colId xmlns:a16="http://schemas.microsoft.com/office/drawing/2014/main" val="4207959924"/>
+                    </a:ext>
+                  </a:extLst>
+                </a:gridCol>
+                <a:gridCol w="583294">
+                  <a:extLst>
+                    <a:ext uri="{9D8B030D-6E8A-4147-A177-3AD203B41FA5}">
+                      <a16:colId xmlns:a16="http://schemas.microsoft.com/office/drawing/2014/main" val="2914503104"/>
+                    </a:ext>
+                  </a:extLst>
+                </a:gridCol>
+                <a:gridCol w="583294">
+                  <a:extLst>
+                    <a:ext uri="{9D8B030D-6E8A-4147-A177-3AD203B41FA5}">
+                      <a16:colId xmlns:a16="http://schemas.microsoft.com/office/drawing/2014/main" val="2205305637"/>
+                    </a:ext>
+                  </a:extLst>
+                </a:gridCol>
+                <a:gridCol w="583294">
+                  <a:extLst>
+                    <a:ext uri="{9D8B030D-6E8A-4147-A177-3AD203B41FA5}">
+                      <a16:colId xmlns:a16="http://schemas.microsoft.com/office/drawing/2014/main" val="2880479586"/>
+                    </a:ext>
+                  </a:extLst>
+                </a:gridCol>
+                <a:gridCol w="583294">
+                  <a:extLst>
+                    <a:ext uri="{9D8B030D-6E8A-4147-A177-3AD203B41FA5}">
+                      <a16:colId xmlns:a16="http://schemas.microsoft.com/office/drawing/2014/main" val="2596435566"/>
+                    </a:ext>
+                  </a:extLst>
+                </a:gridCol>
+                <a:gridCol w="583294">
+                  <a:extLst>
+                    <a:ext uri="{9D8B030D-6E8A-4147-A177-3AD203B41FA5}">
+                      <a16:colId xmlns:a16="http://schemas.microsoft.com/office/drawing/2014/main" val="1404737855"/>
+                    </a:ext>
+                  </a:extLst>
+                </a:gridCol>
+                <a:gridCol w="583294">
+                  <a:extLst>
+                    <a:ext uri="{9D8B030D-6E8A-4147-A177-3AD203B41FA5}">
+                      <a16:colId xmlns:a16="http://schemas.microsoft.com/office/drawing/2014/main" val="2010607997"/>
+                    </a:ext>
+                  </a:extLst>
+                </a:gridCol>
+                <a:gridCol w="583294">
+                  <a:extLst>
+                    <a:ext uri="{9D8B030D-6E8A-4147-A177-3AD203B41FA5}">
+                      <a16:colId xmlns:a16="http://schemas.microsoft.com/office/drawing/2014/main" val="1084825983"/>
+                    </a:ext>
+                  </a:extLst>
+                </a:gridCol>
+                <a:gridCol w="583294">
+                  <a:extLst>
+                    <a:ext uri="{9D8B030D-6E8A-4147-A177-3AD203B41FA5}">
+                      <a16:colId xmlns:a16="http://schemas.microsoft.com/office/drawing/2014/main" val="3570718170"/>
+                    </a:ext>
+                  </a:extLst>
+                </a:gridCol>
+              </a:tblGrid>
+              <a:tr h="282151">
+                <a:tc>
+                  <a:txBody>
+                    <a:bodyPr/>
+                    <a:lstStyle/>
+                    <a:p>
+                      <a:pPr algn="ctr" latinLnBrk="1"/>
+                      <a:r>
+                        <a:rPr lang="en-US" altLang="ko-KR" dirty="0"/>
+                        <a:t>AR 1</a:t>
+                      </a:r>
+                      <a:r>
+                        <a:rPr lang="ko-KR" altLang="en-US" dirty="0"/>
+                        <a:t>킬 사냥터</a:t>
+                      </a:r>
+                    </a:p>
+                  </a:txBody>
+                  <a:tcPr>
+                    <a:solidFill>
+                      <a:srgbClr val="FFFF00"/>
+                    </a:solidFill>
+                  </a:tcPr>
+                </a:tc>
+                <a:tc>
+                  <a:txBody>
+                    <a:bodyPr/>
+                    <a:lstStyle/>
+                    <a:p>
+                      <a:pPr algn="ctr" latinLnBrk="1"/>
+                      <a:endParaRPr lang="ko-KR" altLang="en-US" dirty="0"/>
+                    </a:p>
+                  </a:txBody>
+                  <a:tcPr/>
+                </a:tc>
+                <a:tc>
+                  <a:txBody>
+                    <a:bodyPr/>
+                    <a:lstStyle/>
+                    <a:p>
+                      <a:pPr algn="ctr" latinLnBrk="1"/>
+                      <a:r>
+                        <a:rPr lang="ko-KR" altLang="en-US" dirty="0" err="1"/>
+                        <a:t>초탄</a:t>
+                      </a:r>
+                      <a:endParaRPr lang="ko-KR" altLang="en-US" dirty="0"/>
+                    </a:p>
+                  </a:txBody>
+                  <a:tcPr/>
+                </a:tc>
+                <a:tc>
+                  <a:txBody>
+                    <a:bodyPr/>
+                    <a:lstStyle/>
+                    <a:p>
+                      <a:pPr algn="ctr" latinLnBrk="1"/>
+                      <a:r>
+                        <a:rPr lang="en-US" altLang="ko-KR" dirty="0"/>
+                        <a:t>0.5</a:t>
+                      </a:r>
+                      <a:endParaRPr lang="ko-KR" altLang="en-US" dirty="0"/>
+                    </a:p>
+                  </a:txBody>
+                  <a:tcPr/>
+                </a:tc>
+                <a:tc>
+                  <a:txBody>
+                    <a:bodyPr/>
+                    <a:lstStyle/>
+                    <a:p>
+                      <a:pPr algn="ctr" latinLnBrk="1"/>
+                      <a:r>
+                        <a:rPr lang="en-US" altLang="ko-KR" dirty="0"/>
+                        <a:t>1</a:t>
+                      </a:r>
+                      <a:endParaRPr lang="ko-KR" altLang="en-US" dirty="0"/>
+                    </a:p>
+                  </a:txBody>
+                  <a:tcPr/>
+                </a:tc>
+                <a:tc>
+                  <a:txBody>
+                    <a:bodyPr/>
+                    <a:lstStyle/>
+                    <a:p>
+                      <a:pPr algn="ctr" latinLnBrk="1"/>
+                      <a:r>
+                        <a:rPr lang="en-US" altLang="ko-KR" dirty="0"/>
+                        <a:t>1.5</a:t>
+                      </a:r>
+                      <a:endParaRPr lang="ko-KR" altLang="en-US" dirty="0"/>
+                    </a:p>
+                  </a:txBody>
+                  <a:tcPr/>
+                </a:tc>
+                <a:tc>
+                  <a:txBody>
+                    <a:bodyPr/>
+                    <a:lstStyle/>
+                    <a:p>
+                      <a:pPr algn="ctr" latinLnBrk="1"/>
+                      <a:r>
+                        <a:rPr lang="en-US" altLang="ko-KR" dirty="0"/>
+                        <a:t>2</a:t>
+                      </a:r>
+                      <a:endParaRPr lang="ko-KR" altLang="en-US" dirty="0"/>
+                    </a:p>
+                  </a:txBody>
+                  <a:tcPr/>
+                </a:tc>
+                <a:tc>
+                  <a:txBody>
+                    <a:bodyPr/>
+                    <a:lstStyle/>
+                    <a:p>
+                      <a:pPr algn="ctr" latinLnBrk="1"/>
+                      <a:r>
+                        <a:rPr lang="en-US" altLang="ko-KR" dirty="0"/>
+                        <a:t>2.5</a:t>
+                      </a:r>
+                      <a:endParaRPr lang="ko-KR" altLang="en-US" dirty="0"/>
+                    </a:p>
+                  </a:txBody>
+                  <a:tcPr/>
+                </a:tc>
+                <a:tc>
+                  <a:txBody>
+                    <a:bodyPr/>
+                    <a:lstStyle/>
+                    <a:p>
+                      <a:pPr algn="ctr" latinLnBrk="1"/>
+                      <a:r>
+                        <a:rPr lang="en-US" altLang="ko-KR" dirty="0"/>
+                        <a:t>3</a:t>
+                      </a:r>
+                      <a:endParaRPr lang="ko-KR" altLang="en-US" dirty="0"/>
+                    </a:p>
+                  </a:txBody>
+                  <a:tcPr/>
+                </a:tc>
+                <a:tc>
+                  <a:txBody>
+                    <a:bodyPr/>
+                    <a:lstStyle/>
+                    <a:p>
+                      <a:pPr algn="ctr" latinLnBrk="1"/>
+                      <a:r>
+                        <a:rPr lang="en-US" altLang="ko-KR" dirty="0"/>
+                        <a:t>3.5</a:t>
+                      </a:r>
+                      <a:endParaRPr lang="ko-KR" altLang="en-US" dirty="0"/>
+                    </a:p>
+                  </a:txBody>
+                  <a:tcPr/>
+                </a:tc>
+                <a:tc>
+                  <a:txBody>
+                    <a:bodyPr/>
+                    <a:lstStyle/>
+                    <a:p>
+                      <a:pPr algn="ctr" latinLnBrk="1"/>
+                      <a:r>
+                        <a:rPr lang="en-US" altLang="ko-KR" dirty="0"/>
+                        <a:t>4</a:t>
+                      </a:r>
+                      <a:endParaRPr lang="ko-KR" altLang="en-US" dirty="0"/>
+                    </a:p>
+                  </a:txBody>
+                  <a:tcPr/>
+                </a:tc>
+                <a:tc>
+                  <a:txBody>
+                    <a:bodyPr/>
+                    <a:lstStyle/>
+                    <a:p>
+                      <a:pPr algn="ctr" latinLnBrk="1"/>
+                      <a:r>
+                        <a:rPr lang="en-US" altLang="ko-KR" dirty="0"/>
+                        <a:t>4.5</a:t>
+                      </a:r>
+                      <a:endParaRPr lang="ko-KR" altLang="en-US" dirty="0"/>
+                    </a:p>
+                  </a:txBody>
+                  <a:tcPr/>
+                </a:tc>
+                <a:tc>
+                  <a:txBody>
+                    <a:bodyPr/>
+                    <a:lstStyle/>
+                    <a:p>
+                      <a:pPr algn="ctr" latinLnBrk="1"/>
+                      <a:r>
+                        <a:rPr lang="en-US" altLang="ko-KR" dirty="0"/>
+                        <a:t>5</a:t>
+                      </a:r>
+                      <a:endParaRPr lang="ko-KR" altLang="en-US" dirty="0"/>
+                    </a:p>
+                  </a:txBody>
+                  <a:tcPr/>
+                </a:tc>
+                <a:tc>
+                  <a:txBody>
+                    <a:bodyPr/>
+                    <a:lstStyle/>
+                    <a:p>
+                      <a:pPr algn="ctr" latinLnBrk="1"/>
+                      <a:r>
+                        <a:rPr lang="en-US" altLang="ko-KR" dirty="0"/>
+                        <a:t>5.5</a:t>
+                      </a:r>
+                      <a:endParaRPr lang="ko-KR" altLang="en-US" dirty="0"/>
+                    </a:p>
+                  </a:txBody>
+                  <a:tcPr/>
+                </a:tc>
+                <a:tc>
+                  <a:txBody>
+                    <a:bodyPr/>
+                    <a:lstStyle/>
+                    <a:p>
+                      <a:pPr algn="ctr" latinLnBrk="1"/>
+                      <a:r>
+                        <a:rPr lang="en-US" altLang="ko-KR" dirty="0"/>
+                        <a:t>6</a:t>
+                      </a:r>
+                      <a:endParaRPr lang="ko-KR" altLang="en-US" dirty="0"/>
+                    </a:p>
+                  </a:txBody>
+                  <a:tcPr/>
+                </a:tc>
+                <a:tc>
+                  <a:txBody>
+                    <a:bodyPr/>
+                    <a:lstStyle/>
+                    <a:p>
+                      <a:pPr algn="ctr" latinLnBrk="1"/>
+                      <a:r>
+                        <a:rPr lang="en-US" altLang="ko-KR" dirty="0"/>
+                        <a:t>6.5</a:t>
+                      </a:r>
+                      <a:endParaRPr lang="ko-KR" altLang="en-US" dirty="0"/>
+                    </a:p>
+                  </a:txBody>
+                  <a:tcPr/>
+                </a:tc>
+                <a:tc>
+                  <a:txBody>
+                    <a:bodyPr/>
+                    <a:lstStyle/>
+                    <a:p>
+                      <a:pPr algn="ctr" latinLnBrk="1"/>
+                      <a:r>
+                        <a:rPr lang="en-US" altLang="ko-KR" dirty="0"/>
+                        <a:t>7</a:t>
+                      </a:r>
+                      <a:endParaRPr lang="ko-KR" altLang="en-US" dirty="0"/>
+                    </a:p>
+                  </a:txBody>
+                  <a:tcPr/>
+                </a:tc>
+                <a:tc>
+                  <a:txBody>
+                    <a:bodyPr/>
+                    <a:lstStyle/>
+                    <a:p>
+                      <a:pPr algn="ctr" latinLnBrk="1"/>
+                      <a:r>
+                        <a:rPr lang="en-US" altLang="ko-KR" dirty="0"/>
+                        <a:t>7.5</a:t>
+                      </a:r>
+                      <a:endParaRPr lang="ko-KR" altLang="en-US" dirty="0"/>
+                    </a:p>
+                  </a:txBody>
+                  <a:tcPr/>
+                </a:tc>
+                <a:extLst>
+                  <a:ext uri="{0D108BD9-81ED-4DB2-BD59-A6C34878D82A}">
+                    <a16:rowId xmlns:a16="http://schemas.microsoft.com/office/drawing/2014/main" val="1212102561"/>
+                  </a:ext>
+                </a:extLst>
+              </a:tr>
+              <a:tr h="282151">
+                <a:tc>
+                  <a:txBody>
+                    <a:bodyPr/>
+                    <a:lstStyle/>
+                    <a:p>
+                      <a:pPr algn="ctr" latinLnBrk="1"/>
+                      <a:r>
+                        <a:rPr lang="en-US" altLang="ko-KR" dirty="0"/>
+                        <a:t>1.5</a:t>
+                      </a:r>
+                      <a:r>
+                        <a:rPr lang="ko-KR" altLang="en-US" dirty="0"/>
+                        <a:t>초에 </a:t>
+                      </a:r>
+                      <a:r>
+                        <a:rPr lang="en-US" altLang="ko-KR" dirty="0"/>
+                        <a:t>1</a:t>
+                      </a:r>
+                      <a:r>
+                        <a:rPr lang="ko-KR" altLang="en-US" dirty="0"/>
+                        <a:t>발</a:t>
+                      </a:r>
+                      <a:endParaRPr lang="en-US" altLang="ko-KR" dirty="0"/>
+                    </a:p>
+                  </a:txBody>
+                  <a:tcPr/>
+                </a:tc>
+                <a:tc>
+                  <a:txBody>
+                    <a:bodyPr/>
+                    <a:lstStyle/>
+                    <a:p>
+                      <a:pPr algn="ctr" latinLnBrk="1"/>
+                      <a:r>
+                        <a:rPr lang="en-US" altLang="ko-KR" dirty="0"/>
+                        <a:t>SG</a:t>
+                      </a:r>
+                      <a:endParaRPr lang="ko-KR" altLang="en-US" dirty="0"/>
+                    </a:p>
+                  </a:txBody>
+                  <a:tcPr/>
+                </a:tc>
+                <a:tc>
+                  <a:txBody>
+                    <a:bodyPr/>
+                    <a:lstStyle/>
+                    <a:p>
+                      <a:pPr algn="ctr" latinLnBrk="1"/>
+                      <a:r>
+                        <a:rPr lang="en-US" altLang="ko-KR" dirty="0"/>
+                        <a:t>1</a:t>
+                      </a:r>
+                      <a:r>
+                        <a:rPr lang="ko-KR" altLang="en-US" dirty="0"/>
+                        <a:t>킬</a:t>
+                      </a:r>
+                    </a:p>
+                  </a:txBody>
+                  <a:tcPr/>
+                </a:tc>
+                <a:tc>
+                  <a:txBody>
+                    <a:bodyPr/>
+                    <a:lstStyle/>
+                    <a:p>
+                      <a:pPr algn="ctr" latinLnBrk="1"/>
+                      <a:endParaRPr lang="ko-KR" altLang="en-US" dirty="0"/>
+                    </a:p>
+                  </a:txBody>
+                  <a:tcPr/>
+                </a:tc>
+                <a:tc>
+                  <a:txBody>
+                    <a:bodyPr/>
+                    <a:lstStyle/>
+                    <a:p>
+                      <a:pPr algn="ctr" latinLnBrk="1"/>
+                      <a:endParaRPr lang="ko-KR" altLang="en-US" dirty="0"/>
+                    </a:p>
+                  </a:txBody>
+                  <a:tcPr/>
+                </a:tc>
+                <a:tc>
+                  <a:txBody>
+                    <a:bodyPr/>
+                    <a:lstStyle/>
+                    <a:p>
+                      <a:pPr algn="ctr" latinLnBrk="1"/>
+                      <a:r>
+                        <a:rPr lang="en-US" altLang="ko-KR" dirty="0"/>
+                        <a:t>2</a:t>
+                      </a:r>
+                      <a:r>
+                        <a:rPr lang="ko-KR" altLang="en-US" dirty="0"/>
+                        <a:t>킬</a:t>
+                      </a:r>
+                    </a:p>
+                  </a:txBody>
+                  <a:tcPr/>
+                </a:tc>
+                <a:tc>
+                  <a:txBody>
+                    <a:bodyPr/>
+                    <a:lstStyle/>
+                    <a:p>
+                      <a:pPr algn="ctr" latinLnBrk="1"/>
+                      <a:endParaRPr lang="ko-KR" altLang="en-US" dirty="0"/>
+                    </a:p>
+                  </a:txBody>
+                  <a:tcPr/>
+                </a:tc>
+                <a:tc>
+                  <a:txBody>
+                    <a:bodyPr/>
+                    <a:lstStyle/>
+                    <a:p>
+                      <a:pPr algn="ctr" latinLnBrk="1"/>
+                      <a:endParaRPr lang="ko-KR" altLang="en-US" dirty="0"/>
+                    </a:p>
+                  </a:txBody>
+                  <a:tcPr/>
+                </a:tc>
+                <a:tc>
+                  <a:txBody>
+                    <a:bodyPr/>
+                    <a:lstStyle/>
+                    <a:p>
+                      <a:pPr algn="ctr" latinLnBrk="1"/>
+                      <a:r>
+                        <a:rPr lang="en-US" altLang="ko-KR" dirty="0"/>
+                        <a:t>3</a:t>
+                      </a:r>
+                      <a:r>
+                        <a:rPr lang="ko-KR" altLang="en-US" dirty="0"/>
+                        <a:t>킬</a:t>
+                      </a:r>
+                    </a:p>
+                  </a:txBody>
+                  <a:tcPr/>
+                </a:tc>
+                <a:tc>
+                  <a:txBody>
+                    <a:bodyPr/>
+                    <a:lstStyle/>
+                    <a:p>
+                      <a:pPr algn="ctr" latinLnBrk="1"/>
+                      <a:endParaRPr lang="ko-KR" altLang="en-US" dirty="0"/>
+                    </a:p>
+                  </a:txBody>
+                  <a:tcPr/>
+                </a:tc>
+                <a:tc>
+                  <a:txBody>
+                    <a:bodyPr/>
+                    <a:lstStyle/>
+                    <a:p>
+                      <a:pPr algn="ctr" latinLnBrk="1"/>
+                      <a:endParaRPr lang="ko-KR" altLang="en-US" dirty="0"/>
+                    </a:p>
+                  </a:txBody>
+                  <a:tcPr/>
+                </a:tc>
+                <a:tc>
+                  <a:txBody>
+                    <a:bodyPr/>
+                    <a:lstStyle/>
+                    <a:p>
+                      <a:pPr algn="ctr" latinLnBrk="1"/>
+                      <a:r>
+                        <a:rPr lang="en-US" altLang="ko-KR" dirty="0"/>
+                        <a:t>4</a:t>
+                      </a:r>
+                      <a:r>
+                        <a:rPr lang="ko-KR" altLang="en-US" dirty="0"/>
+                        <a:t>킬</a:t>
+                      </a:r>
+                    </a:p>
+                  </a:txBody>
+                  <a:tcPr/>
+                </a:tc>
+                <a:tc>
+                  <a:txBody>
+                    <a:bodyPr/>
+                    <a:lstStyle/>
+                    <a:p>
+                      <a:pPr algn="ctr" latinLnBrk="1"/>
+                      <a:endParaRPr lang="ko-KR" altLang="en-US" dirty="0"/>
+                    </a:p>
+                  </a:txBody>
+                  <a:tcPr/>
+                </a:tc>
+                <a:tc>
+                  <a:txBody>
+                    <a:bodyPr/>
+                    <a:lstStyle/>
+                    <a:p>
+                      <a:pPr algn="ctr" latinLnBrk="1"/>
+                      <a:endParaRPr lang="ko-KR" altLang="en-US" dirty="0"/>
+                    </a:p>
+                  </a:txBody>
+                  <a:tcPr/>
+                </a:tc>
+                <a:tc>
+                  <a:txBody>
+                    <a:bodyPr/>
+                    <a:lstStyle/>
+                    <a:p>
+                      <a:pPr algn="ctr" latinLnBrk="1"/>
+                      <a:r>
+                        <a:rPr lang="en-US" altLang="ko-KR" dirty="0"/>
+                        <a:t>5</a:t>
+                      </a:r>
+                      <a:r>
+                        <a:rPr lang="ko-KR" altLang="en-US" dirty="0"/>
+                        <a:t>킬</a:t>
+                      </a:r>
+                    </a:p>
+                  </a:txBody>
+                  <a:tcPr/>
+                </a:tc>
+                <a:tc>
+                  <a:txBody>
+                    <a:bodyPr/>
+                    <a:lstStyle/>
+                    <a:p>
+                      <a:pPr algn="ctr" latinLnBrk="1"/>
+                      <a:endParaRPr lang="ko-KR" altLang="en-US" dirty="0"/>
+                    </a:p>
+                  </a:txBody>
+                  <a:tcPr/>
+                </a:tc>
+                <a:tc>
+                  <a:txBody>
+                    <a:bodyPr/>
+                    <a:lstStyle/>
+                    <a:p>
+                      <a:pPr algn="ctr" latinLnBrk="1"/>
+                      <a:endParaRPr lang="ko-KR" altLang="en-US" dirty="0"/>
+                    </a:p>
+                  </a:txBody>
+                  <a:tcPr/>
+                </a:tc>
+                <a:tc>
+                  <a:txBody>
+                    <a:bodyPr/>
+                    <a:lstStyle/>
+                    <a:p>
+                      <a:pPr algn="ctr" latinLnBrk="1"/>
+                      <a:r>
+                        <a:rPr lang="en-US" altLang="ko-KR" dirty="0"/>
+                        <a:t>6</a:t>
+                      </a:r>
+                      <a:r>
+                        <a:rPr lang="ko-KR" altLang="en-US" dirty="0"/>
+                        <a:t>킬</a:t>
+                      </a:r>
+                    </a:p>
+                  </a:txBody>
+                  <a:tcPr/>
+                </a:tc>
+                <a:extLst>
+                  <a:ext uri="{0D108BD9-81ED-4DB2-BD59-A6C34878D82A}">
+                    <a16:rowId xmlns:a16="http://schemas.microsoft.com/office/drawing/2014/main" val="1734742922"/>
+                  </a:ext>
+                </a:extLst>
+              </a:tr>
+              <a:tr h="282151">
+                <a:tc>
+                  <a:txBody>
+                    <a:bodyPr/>
+                    <a:lstStyle/>
+                    <a:p>
+                      <a:pPr algn="ctr" latinLnBrk="1"/>
+                      <a:r>
+                        <a:rPr lang="en-US" altLang="ko-KR" dirty="0"/>
+                        <a:t>0.5</a:t>
+                      </a:r>
+                      <a:r>
+                        <a:rPr lang="ko-KR" altLang="en-US" dirty="0"/>
+                        <a:t>초에 </a:t>
+                      </a:r>
+                      <a:r>
+                        <a:rPr lang="en-US" altLang="ko-KR" dirty="0"/>
+                        <a:t>1</a:t>
+                      </a:r>
+                      <a:r>
+                        <a:rPr lang="ko-KR" altLang="en-US" dirty="0"/>
+                        <a:t>발</a:t>
+                      </a:r>
+                    </a:p>
+                  </a:txBody>
+                  <a:tcPr/>
+                </a:tc>
+                <a:tc>
+                  <a:txBody>
+                    <a:bodyPr/>
+                    <a:lstStyle/>
+                    <a:p>
+                      <a:pPr algn="ctr" latinLnBrk="1"/>
+                      <a:r>
+                        <a:rPr lang="en-US" altLang="ko-KR" dirty="0"/>
+                        <a:t>AR</a:t>
+                      </a:r>
+                      <a:endParaRPr lang="ko-KR" altLang="en-US" dirty="0"/>
+                    </a:p>
+                  </a:txBody>
+                  <a:tcPr/>
+                </a:tc>
+                <a:tc>
+                  <a:txBody>
+                    <a:bodyPr/>
+                    <a:lstStyle/>
+                    <a:p>
+                      <a:pPr algn="ctr" latinLnBrk="1"/>
+                      <a:r>
+                        <a:rPr lang="en-US" altLang="ko-KR" dirty="0"/>
+                        <a:t>1</a:t>
+                      </a:r>
+                      <a:r>
+                        <a:rPr lang="ko-KR" altLang="en-US" dirty="0"/>
+                        <a:t>킬</a:t>
+                      </a:r>
+                    </a:p>
+                  </a:txBody>
+                  <a:tcPr/>
+                </a:tc>
+                <a:tc>
+                  <a:txBody>
+                    <a:bodyPr/>
+                    <a:lstStyle/>
+                    <a:p>
+                      <a:pPr algn="ctr" latinLnBrk="1"/>
+                      <a:r>
+                        <a:rPr lang="en-US" altLang="ko-KR" dirty="0"/>
+                        <a:t>2</a:t>
+                      </a:r>
+                      <a:r>
+                        <a:rPr lang="ko-KR" altLang="en-US" dirty="0"/>
+                        <a:t>킬</a:t>
+                      </a:r>
+                    </a:p>
+                  </a:txBody>
+                  <a:tcPr/>
+                </a:tc>
+                <a:tc>
+                  <a:txBody>
+                    <a:bodyPr/>
+                    <a:lstStyle/>
+                    <a:p>
+                      <a:pPr algn="ctr" latinLnBrk="1"/>
+                      <a:r>
+                        <a:rPr lang="en-US" altLang="ko-KR" dirty="0"/>
+                        <a:t>3</a:t>
+                      </a:r>
+                      <a:r>
+                        <a:rPr lang="ko-KR" altLang="en-US" dirty="0"/>
+                        <a:t>킬</a:t>
+                      </a:r>
+                    </a:p>
+                  </a:txBody>
+                  <a:tcPr/>
+                </a:tc>
+                <a:tc>
+                  <a:txBody>
+                    <a:bodyPr/>
+                    <a:lstStyle/>
+                    <a:p>
+                      <a:pPr algn="ctr" latinLnBrk="1"/>
+                      <a:r>
+                        <a:rPr lang="en-US" altLang="ko-KR" dirty="0"/>
+                        <a:t>4</a:t>
+                      </a:r>
+                      <a:r>
+                        <a:rPr lang="ko-KR" altLang="en-US" dirty="0"/>
+                        <a:t>킬</a:t>
+                      </a:r>
+                    </a:p>
+                  </a:txBody>
+                  <a:tcPr/>
+                </a:tc>
+                <a:tc>
+                  <a:txBody>
+                    <a:bodyPr/>
+                    <a:lstStyle/>
+                    <a:p>
+                      <a:pPr algn="ctr" latinLnBrk="1"/>
+                      <a:r>
+                        <a:rPr lang="en-US" altLang="ko-KR" dirty="0"/>
+                        <a:t>5</a:t>
+                      </a:r>
+                      <a:r>
+                        <a:rPr lang="ko-KR" altLang="en-US" dirty="0"/>
+                        <a:t>킬</a:t>
+                      </a:r>
+                    </a:p>
+                  </a:txBody>
+                  <a:tcPr/>
+                </a:tc>
+                <a:tc>
+                  <a:txBody>
+                    <a:bodyPr/>
+                    <a:lstStyle/>
+                    <a:p>
+                      <a:pPr algn="ctr" latinLnBrk="1"/>
+                      <a:r>
+                        <a:rPr lang="en-US" altLang="ko-KR" dirty="0"/>
+                        <a:t>6</a:t>
+                      </a:r>
+                      <a:r>
+                        <a:rPr lang="ko-KR" altLang="en-US" dirty="0"/>
+                        <a:t>킬</a:t>
+                      </a:r>
+                    </a:p>
+                  </a:txBody>
+                  <a:tcPr/>
+                </a:tc>
+                <a:tc>
+                  <a:txBody>
+                    <a:bodyPr/>
+                    <a:lstStyle/>
+                    <a:p>
+                      <a:pPr algn="ctr" latinLnBrk="1"/>
+                      <a:r>
+                        <a:rPr lang="en-US" altLang="ko-KR" dirty="0"/>
+                        <a:t>7</a:t>
+                      </a:r>
+                      <a:r>
+                        <a:rPr lang="ko-KR" altLang="en-US" dirty="0"/>
+                        <a:t>킬</a:t>
+                      </a:r>
+                    </a:p>
+                  </a:txBody>
+                  <a:tcPr/>
+                </a:tc>
+                <a:tc>
+                  <a:txBody>
+                    <a:bodyPr/>
+                    <a:lstStyle/>
+                    <a:p>
+                      <a:pPr algn="ctr" latinLnBrk="1"/>
+                      <a:r>
+                        <a:rPr lang="en-US" altLang="ko-KR" dirty="0"/>
+                        <a:t>8</a:t>
+                      </a:r>
+                      <a:r>
+                        <a:rPr lang="ko-KR" altLang="en-US" dirty="0"/>
+                        <a:t>킬</a:t>
+                      </a:r>
+                    </a:p>
+                  </a:txBody>
+                  <a:tcPr/>
+                </a:tc>
+                <a:tc>
+                  <a:txBody>
+                    <a:bodyPr/>
+                    <a:lstStyle/>
+                    <a:p>
+                      <a:pPr algn="ctr" latinLnBrk="1"/>
+                      <a:r>
+                        <a:rPr lang="en-US" altLang="ko-KR" dirty="0"/>
+                        <a:t>9</a:t>
+                      </a:r>
+                      <a:r>
+                        <a:rPr lang="ko-KR" altLang="en-US" dirty="0"/>
+                        <a:t>킬</a:t>
+                      </a:r>
+                    </a:p>
+                  </a:txBody>
+                  <a:tcPr/>
+                </a:tc>
+                <a:tc>
+                  <a:txBody>
+                    <a:bodyPr/>
+                    <a:lstStyle/>
+                    <a:p>
+                      <a:pPr algn="ctr" latinLnBrk="1"/>
+                      <a:r>
+                        <a:rPr lang="en-US" altLang="ko-KR" dirty="0"/>
+                        <a:t>10</a:t>
+                      </a:r>
+                      <a:r>
+                        <a:rPr lang="ko-KR" altLang="en-US" dirty="0"/>
+                        <a:t>킬</a:t>
+                      </a:r>
+                    </a:p>
+                  </a:txBody>
+                  <a:tcPr/>
+                </a:tc>
+                <a:tc>
+                  <a:txBody>
+                    <a:bodyPr/>
+                    <a:lstStyle/>
+                    <a:p>
+                      <a:pPr algn="ctr" latinLnBrk="1"/>
+                      <a:r>
+                        <a:rPr lang="en-US" altLang="ko-KR" dirty="0"/>
+                        <a:t>11</a:t>
+                      </a:r>
+                      <a:r>
+                        <a:rPr lang="ko-KR" altLang="en-US" dirty="0"/>
+                        <a:t>킬</a:t>
+                      </a:r>
+                    </a:p>
+                  </a:txBody>
+                  <a:tcPr/>
+                </a:tc>
+                <a:tc>
+                  <a:txBody>
+                    <a:bodyPr/>
+                    <a:lstStyle/>
+                    <a:p>
+                      <a:pPr algn="ctr" latinLnBrk="1"/>
+                      <a:r>
+                        <a:rPr lang="en-US" altLang="ko-KR" dirty="0"/>
+                        <a:t>12</a:t>
+                      </a:r>
+                      <a:r>
+                        <a:rPr lang="ko-KR" altLang="en-US" dirty="0"/>
+                        <a:t>킬</a:t>
+                      </a:r>
+                    </a:p>
+                  </a:txBody>
+                  <a:tcPr/>
+                </a:tc>
+                <a:tc>
+                  <a:txBody>
+                    <a:bodyPr/>
+                    <a:lstStyle/>
+                    <a:p>
+                      <a:pPr algn="ctr" latinLnBrk="1"/>
+                      <a:r>
+                        <a:rPr lang="en-US" altLang="ko-KR" dirty="0"/>
+                        <a:t>13</a:t>
+                      </a:r>
+                      <a:r>
+                        <a:rPr lang="ko-KR" altLang="en-US" dirty="0"/>
+                        <a:t>킬</a:t>
+                      </a:r>
+                    </a:p>
+                  </a:txBody>
+                  <a:tcPr/>
+                </a:tc>
+                <a:tc>
+                  <a:txBody>
+                    <a:bodyPr/>
+                    <a:lstStyle/>
+                    <a:p>
+                      <a:pPr algn="ctr" latinLnBrk="1"/>
+                      <a:r>
+                        <a:rPr lang="en-US" altLang="ko-KR" dirty="0"/>
+                        <a:t>14</a:t>
+                      </a:r>
+                      <a:r>
+                        <a:rPr lang="ko-KR" altLang="en-US" dirty="0"/>
+                        <a:t>킬</a:t>
+                      </a:r>
+                    </a:p>
+                  </a:txBody>
+                  <a:tcPr/>
+                </a:tc>
+                <a:tc>
+                  <a:txBody>
+                    <a:bodyPr/>
+                    <a:lstStyle/>
+                    <a:p>
+                      <a:pPr algn="ctr" latinLnBrk="1"/>
+                      <a:r>
+                        <a:rPr lang="en-US" altLang="ko-KR" dirty="0"/>
+                        <a:t>15</a:t>
+                      </a:r>
+                      <a:r>
+                        <a:rPr lang="ko-KR" altLang="en-US" dirty="0"/>
+                        <a:t>킬</a:t>
+                      </a:r>
+                    </a:p>
+                  </a:txBody>
+                  <a:tcPr/>
+                </a:tc>
+                <a:tc>
+                  <a:txBody>
+                    <a:bodyPr/>
+                    <a:lstStyle/>
+                    <a:p>
+                      <a:pPr algn="ctr" latinLnBrk="1"/>
+                      <a:r>
+                        <a:rPr lang="en-US" altLang="ko-KR" dirty="0"/>
+                        <a:t>16</a:t>
+                      </a:r>
+                      <a:r>
+                        <a:rPr lang="ko-KR" altLang="en-US" dirty="0"/>
+                        <a:t>킬</a:t>
+                      </a:r>
+                    </a:p>
+                  </a:txBody>
+                  <a:tcPr/>
+                </a:tc>
+                <a:extLst>
+                  <a:ext uri="{0D108BD9-81ED-4DB2-BD59-A6C34878D82A}">
+                    <a16:rowId xmlns:a16="http://schemas.microsoft.com/office/drawing/2014/main" val="1513614574"/>
+                  </a:ext>
+                </a:extLst>
+              </a:tr>
+              <a:tr h="282151">
+                <a:tc>
+                  <a:txBody>
+                    <a:bodyPr/>
+                    <a:lstStyle/>
+                    <a:p>
+                      <a:pPr algn="ctr" latinLnBrk="1"/>
+                      <a:r>
+                        <a:rPr lang="en-US" altLang="ko-KR" dirty="0"/>
+                        <a:t>1.5</a:t>
+                      </a:r>
+                      <a:r>
+                        <a:rPr lang="ko-KR" altLang="en-US" dirty="0"/>
+                        <a:t>초에 </a:t>
+                      </a:r>
+                      <a:r>
+                        <a:rPr lang="en-US" altLang="ko-KR" dirty="0"/>
+                        <a:t>1</a:t>
+                      </a:r>
+                      <a:r>
+                        <a:rPr lang="ko-KR" altLang="en-US" dirty="0"/>
+                        <a:t>발</a:t>
+                      </a:r>
+                    </a:p>
+                  </a:txBody>
+                  <a:tcPr/>
+                </a:tc>
+                <a:tc>
+                  <a:txBody>
+                    <a:bodyPr/>
+                    <a:lstStyle/>
+                    <a:p>
+                      <a:pPr algn="ctr" latinLnBrk="1"/>
+                      <a:r>
+                        <a:rPr lang="en-US" altLang="ko-KR" dirty="0"/>
+                        <a:t>SR</a:t>
+                      </a:r>
+                      <a:endParaRPr lang="ko-KR" altLang="en-US" dirty="0"/>
+                    </a:p>
+                  </a:txBody>
+                  <a:tcPr/>
+                </a:tc>
+                <a:tc>
+                  <a:txBody>
+                    <a:bodyPr/>
+                    <a:lstStyle/>
+                    <a:p>
+                      <a:pPr algn="ctr" latinLnBrk="1"/>
+                      <a:r>
+                        <a:rPr lang="en-US" altLang="ko-KR" dirty="0"/>
+                        <a:t>1</a:t>
+                      </a:r>
+                      <a:r>
+                        <a:rPr lang="ko-KR" altLang="en-US" dirty="0"/>
+                        <a:t>킬</a:t>
+                      </a:r>
+                    </a:p>
+                  </a:txBody>
+                  <a:tcPr/>
+                </a:tc>
+                <a:tc>
+                  <a:txBody>
+                    <a:bodyPr/>
+                    <a:lstStyle/>
+                    <a:p>
+                      <a:pPr algn="ctr" latinLnBrk="1"/>
+                      <a:endParaRPr lang="ko-KR" altLang="en-US" dirty="0"/>
+                    </a:p>
+                  </a:txBody>
+                  <a:tcPr/>
+                </a:tc>
+                <a:tc>
+                  <a:txBody>
+                    <a:bodyPr/>
+                    <a:lstStyle/>
+                    <a:p>
+                      <a:pPr algn="ctr" latinLnBrk="1"/>
+                      <a:endParaRPr lang="ko-KR" altLang="en-US" dirty="0"/>
+                    </a:p>
+                  </a:txBody>
+                  <a:tcPr/>
+                </a:tc>
+                <a:tc>
+                  <a:txBody>
+                    <a:bodyPr/>
+                    <a:lstStyle/>
+                    <a:p>
+                      <a:pPr algn="ctr" latinLnBrk="1"/>
+                      <a:r>
+                        <a:rPr lang="en-US" altLang="ko-KR" dirty="0"/>
+                        <a:t>2</a:t>
+                      </a:r>
+                      <a:r>
+                        <a:rPr lang="ko-KR" altLang="en-US" dirty="0"/>
+                        <a:t>킬</a:t>
+                      </a:r>
+                    </a:p>
+                  </a:txBody>
+                  <a:tcPr/>
+                </a:tc>
+                <a:tc>
+                  <a:txBody>
+                    <a:bodyPr/>
+                    <a:lstStyle/>
+                    <a:p>
+                      <a:pPr algn="ctr" latinLnBrk="1"/>
+                      <a:endParaRPr lang="ko-KR" altLang="en-US" dirty="0"/>
+                    </a:p>
+                  </a:txBody>
+                  <a:tcPr/>
+                </a:tc>
+                <a:tc>
+                  <a:txBody>
+                    <a:bodyPr/>
+                    <a:lstStyle/>
+                    <a:p>
+                      <a:pPr algn="ctr" latinLnBrk="1"/>
+                      <a:endParaRPr lang="ko-KR" altLang="en-US" dirty="0"/>
+                    </a:p>
+                  </a:txBody>
+                  <a:tcPr/>
+                </a:tc>
+                <a:tc>
+                  <a:txBody>
+                    <a:bodyPr/>
+                    <a:lstStyle/>
+                    <a:p>
+                      <a:pPr algn="ctr" latinLnBrk="1"/>
+                      <a:r>
+                        <a:rPr lang="en-US" altLang="ko-KR" dirty="0"/>
+                        <a:t>3</a:t>
+                      </a:r>
+                      <a:r>
+                        <a:rPr lang="ko-KR" altLang="en-US" dirty="0"/>
+                        <a:t>킬</a:t>
+                      </a:r>
+                    </a:p>
+                  </a:txBody>
+                  <a:tcPr/>
+                </a:tc>
+                <a:tc>
+                  <a:txBody>
+                    <a:bodyPr/>
+                    <a:lstStyle/>
+                    <a:p>
+                      <a:pPr algn="ctr" latinLnBrk="1"/>
+                      <a:endParaRPr lang="ko-KR" altLang="en-US" dirty="0"/>
+                    </a:p>
+                  </a:txBody>
+                  <a:tcPr/>
+                </a:tc>
+                <a:tc>
+                  <a:txBody>
+                    <a:bodyPr/>
+                    <a:lstStyle/>
+                    <a:p>
+                      <a:pPr algn="ctr" latinLnBrk="1"/>
+                      <a:endParaRPr lang="ko-KR" altLang="en-US" dirty="0"/>
+                    </a:p>
+                  </a:txBody>
+                  <a:tcPr/>
+                </a:tc>
+                <a:tc>
+                  <a:txBody>
+                    <a:bodyPr/>
+                    <a:lstStyle/>
+                    <a:p>
+                      <a:pPr algn="ctr" latinLnBrk="1"/>
+                      <a:r>
+                        <a:rPr lang="en-US" altLang="ko-KR" dirty="0"/>
+                        <a:t>4</a:t>
+                      </a:r>
+                      <a:r>
+                        <a:rPr lang="ko-KR" altLang="en-US" dirty="0"/>
+                        <a:t>킬</a:t>
+                      </a:r>
+                    </a:p>
+                  </a:txBody>
+                  <a:tcPr/>
+                </a:tc>
+                <a:tc>
+                  <a:txBody>
+                    <a:bodyPr/>
+                    <a:lstStyle/>
+                    <a:p>
+                      <a:pPr algn="ctr" latinLnBrk="1"/>
+                      <a:endParaRPr lang="ko-KR" altLang="en-US" dirty="0"/>
+                    </a:p>
+                  </a:txBody>
+                  <a:tcPr/>
+                </a:tc>
+                <a:tc>
+                  <a:txBody>
+                    <a:bodyPr/>
+                    <a:lstStyle/>
+                    <a:p>
+                      <a:pPr algn="ctr" latinLnBrk="1"/>
+                      <a:endParaRPr lang="ko-KR" altLang="en-US" dirty="0"/>
+                    </a:p>
+                  </a:txBody>
+                  <a:tcPr/>
+                </a:tc>
+                <a:tc>
+                  <a:txBody>
+                    <a:bodyPr/>
+                    <a:lstStyle/>
+                    <a:p>
+                      <a:pPr algn="ctr" latinLnBrk="1"/>
+                      <a:r>
+                        <a:rPr lang="en-US" altLang="ko-KR" dirty="0"/>
+                        <a:t>5</a:t>
+                      </a:r>
+                      <a:r>
+                        <a:rPr lang="ko-KR" altLang="en-US" dirty="0"/>
+                        <a:t>킬</a:t>
+                      </a:r>
+                    </a:p>
+                  </a:txBody>
+                  <a:tcPr/>
+                </a:tc>
+                <a:tc>
+                  <a:txBody>
+                    <a:bodyPr/>
+                    <a:lstStyle/>
+                    <a:p>
+                      <a:pPr algn="ctr" latinLnBrk="1"/>
+                      <a:endParaRPr lang="ko-KR" altLang="en-US" dirty="0"/>
+                    </a:p>
+                  </a:txBody>
+                  <a:tcPr/>
+                </a:tc>
+                <a:tc>
+                  <a:txBody>
+                    <a:bodyPr/>
+                    <a:lstStyle/>
+                    <a:p>
+                      <a:pPr algn="ctr" latinLnBrk="1"/>
+                      <a:endParaRPr lang="ko-KR" altLang="en-US" dirty="0"/>
+                    </a:p>
+                  </a:txBody>
+                  <a:tcPr/>
+                </a:tc>
+                <a:tc>
+                  <a:txBody>
+                    <a:bodyPr/>
+                    <a:lstStyle/>
+                    <a:p>
+                      <a:pPr algn="ctr" latinLnBrk="1"/>
+                      <a:r>
+                        <a:rPr lang="en-US" altLang="ko-KR" dirty="0"/>
+                        <a:t>6</a:t>
                       </a:r>
                       <a:r>
                         <a:rPr lang="ko-KR" altLang="en-US" dirty="0"/>
@@ -9502,6 +10931,2625 @@
 </file>
 
 <file path=ppt/slides/slide11.xml><?xml version="1.0" encoding="utf-8"?>
+<p:sld xmlns:a="http://schemas.openxmlformats.org/drawingml/2006/main" xmlns:r="http://schemas.openxmlformats.org/officeDocument/2006/relationships" xmlns:p="http://schemas.openxmlformats.org/presentationml/2006/main">
+  <p:cSld>
+    <p:spTree>
+      <p:nvGrpSpPr>
+        <p:cNvPr id="1" name=""/>
+        <p:cNvGrpSpPr/>
+        <p:nvPr/>
+      </p:nvGrpSpPr>
+      <p:grpSpPr>
+        <a:xfrm>
+          <a:off x="0" y="0"/>
+          <a:ext cx="0" cy="0"/>
+          <a:chOff x="0" y="0"/>
+          <a:chExt cx="0" cy="0"/>
+        </a:xfrm>
+      </p:grpSpPr>
+      <p:sp>
+        <p:nvSpPr>
+          <p:cNvPr id="2" name="제목 1">
+            <a:extLst>
+              <a:ext uri="{FF2B5EF4-FFF2-40B4-BE49-F238E27FC236}">
+                <a16:creationId xmlns:a16="http://schemas.microsoft.com/office/drawing/2014/main" id="{82A353CE-3830-426E-8E43-E8484A68E5BE}"/>
+              </a:ext>
+            </a:extLst>
+          </p:cNvPr>
+          <p:cNvSpPr>
+            <a:spLocks noGrp="1"/>
+          </p:cNvSpPr>
+          <p:nvPr>
+            <p:ph type="title"/>
+          </p:nvPr>
+        </p:nvSpPr>
+        <p:spPr/>
+        <p:txBody>
+          <a:bodyPr/>
+          <a:lstStyle/>
+          <a:p>
+            <a:r>
+              <a:rPr lang="en-US" altLang="ko-KR" dirty="0"/>
+              <a:t>2-2. </a:t>
+            </a:r>
+            <a:r>
+              <a:rPr lang="ko-KR" altLang="en-US" dirty="0"/>
+              <a:t>획득 재화</a:t>
+            </a:r>
+          </a:p>
+        </p:txBody>
+      </p:sp>
+      <p:graphicFrame>
+        <p:nvGraphicFramePr>
+          <p:cNvPr id="6" name="표 6">
+            <a:extLst>
+              <a:ext uri="{FF2B5EF4-FFF2-40B4-BE49-F238E27FC236}">
+                <a16:creationId xmlns:a16="http://schemas.microsoft.com/office/drawing/2014/main" id="{6F79DEF7-B356-2DC7-509B-5363810E4731}"/>
+              </a:ext>
+            </a:extLst>
+          </p:cNvPr>
+          <p:cNvGraphicFramePr>
+            <a:graphicFrameLocks noGrp="1"/>
+          </p:cNvGraphicFramePr>
+          <p:nvPr>
+            <p:extLst>
+              <p:ext uri="{D42A27DB-BD31-4B8C-83A1-F6EECF244321}">
+                <p14:modId xmlns:p14="http://schemas.microsoft.com/office/powerpoint/2010/main" val="1766970175"/>
+              </p:ext>
+            </p:extLst>
+          </p:nvPr>
+        </p:nvGraphicFramePr>
+        <p:xfrm>
+          <a:off x="495238" y="1567350"/>
+          <a:ext cx="11201522" cy="1219200"/>
+        </p:xfrm>
+        <a:graphic>
+          <a:graphicData uri="http://schemas.openxmlformats.org/drawingml/2006/table">
+            <a:tbl>
+              <a:tblPr firstRow="1" bandRow="1">
+                <a:tableStyleId>{5940675A-B579-460E-94D1-54222C63F5DA}</a:tableStyleId>
+              </a:tblPr>
+              <a:tblGrid>
+                <a:gridCol w="1404361">
+                  <a:extLst>
+                    <a:ext uri="{9D8B030D-6E8A-4147-A177-3AD203B41FA5}">
+                      <a16:colId xmlns:a16="http://schemas.microsoft.com/office/drawing/2014/main" val="3278806615"/>
+                    </a:ext>
+                  </a:extLst>
+                </a:gridCol>
+                <a:gridCol w="464457">
+                  <a:extLst>
+                    <a:ext uri="{9D8B030D-6E8A-4147-A177-3AD203B41FA5}">
+                      <a16:colId xmlns:a16="http://schemas.microsoft.com/office/drawing/2014/main" val="398399140"/>
+                    </a:ext>
+                  </a:extLst>
+                </a:gridCol>
+                <a:gridCol w="583294">
+                  <a:extLst>
+                    <a:ext uri="{9D8B030D-6E8A-4147-A177-3AD203B41FA5}">
+                      <a16:colId xmlns:a16="http://schemas.microsoft.com/office/drawing/2014/main" val="1278134390"/>
+                    </a:ext>
+                  </a:extLst>
+                </a:gridCol>
+                <a:gridCol w="583294">
+                  <a:extLst>
+                    <a:ext uri="{9D8B030D-6E8A-4147-A177-3AD203B41FA5}">
+                      <a16:colId xmlns:a16="http://schemas.microsoft.com/office/drawing/2014/main" val="40717878"/>
+                    </a:ext>
+                  </a:extLst>
+                </a:gridCol>
+                <a:gridCol w="583294">
+                  <a:extLst>
+                    <a:ext uri="{9D8B030D-6E8A-4147-A177-3AD203B41FA5}">
+                      <a16:colId xmlns:a16="http://schemas.microsoft.com/office/drawing/2014/main" val="1021668403"/>
+                    </a:ext>
+                  </a:extLst>
+                </a:gridCol>
+                <a:gridCol w="583294">
+                  <a:extLst>
+                    <a:ext uri="{9D8B030D-6E8A-4147-A177-3AD203B41FA5}">
+                      <a16:colId xmlns:a16="http://schemas.microsoft.com/office/drawing/2014/main" val="4028063726"/>
+                    </a:ext>
+                  </a:extLst>
+                </a:gridCol>
+                <a:gridCol w="583294">
+                  <a:extLst>
+                    <a:ext uri="{9D8B030D-6E8A-4147-A177-3AD203B41FA5}">
+                      <a16:colId xmlns:a16="http://schemas.microsoft.com/office/drawing/2014/main" val="837754176"/>
+                    </a:ext>
+                  </a:extLst>
+                </a:gridCol>
+                <a:gridCol w="583294">
+                  <a:extLst>
+                    <a:ext uri="{9D8B030D-6E8A-4147-A177-3AD203B41FA5}">
+                      <a16:colId xmlns:a16="http://schemas.microsoft.com/office/drawing/2014/main" val="2339322482"/>
+                    </a:ext>
+                  </a:extLst>
+                </a:gridCol>
+                <a:gridCol w="583294">
+                  <a:extLst>
+                    <a:ext uri="{9D8B030D-6E8A-4147-A177-3AD203B41FA5}">
+                      <a16:colId xmlns:a16="http://schemas.microsoft.com/office/drawing/2014/main" val="2653500809"/>
+                    </a:ext>
+                  </a:extLst>
+                </a:gridCol>
+                <a:gridCol w="583294">
+                  <a:extLst>
+                    <a:ext uri="{9D8B030D-6E8A-4147-A177-3AD203B41FA5}">
+                      <a16:colId xmlns:a16="http://schemas.microsoft.com/office/drawing/2014/main" val="4207959924"/>
+                    </a:ext>
+                  </a:extLst>
+                </a:gridCol>
+                <a:gridCol w="583294">
+                  <a:extLst>
+                    <a:ext uri="{9D8B030D-6E8A-4147-A177-3AD203B41FA5}">
+                      <a16:colId xmlns:a16="http://schemas.microsoft.com/office/drawing/2014/main" val="2914503104"/>
+                    </a:ext>
+                  </a:extLst>
+                </a:gridCol>
+                <a:gridCol w="583294">
+                  <a:extLst>
+                    <a:ext uri="{9D8B030D-6E8A-4147-A177-3AD203B41FA5}">
+                      <a16:colId xmlns:a16="http://schemas.microsoft.com/office/drawing/2014/main" val="2205305637"/>
+                    </a:ext>
+                  </a:extLst>
+                </a:gridCol>
+                <a:gridCol w="583294">
+                  <a:extLst>
+                    <a:ext uri="{9D8B030D-6E8A-4147-A177-3AD203B41FA5}">
+                      <a16:colId xmlns:a16="http://schemas.microsoft.com/office/drawing/2014/main" val="2880479586"/>
+                    </a:ext>
+                  </a:extLst>
+                </a:gridCol>
+                <a:gridCol w="583294">
+                  <a:extLst>
+                    <a:ext uri="{9D8B030D-6E8A-4147-A177-3AD203B41FA5}">
+                      <a16:colId xmlns:a16="http://schemas.microsoft.com/office/drawing/2014/main" val="2596435566"/>
+                    </a:ext>
+                  </a:extLst>
+                </a:gridCol>
+                <a:gridCol w="583294">
+                  <a:extLst>
+                    <a:ext uri="{9D8B030D-6E8A-4147-A177-3AD203B41FA5}">
+                      <a16:colId xmlns:a16="http://schemas.microsoft.com/office/drawing/2014/main" val="1404737855"/>
+                    </a:ext>
+                  </a:extLst>
+                </a:gridCol>
+                <a:gridCol w="583294">
+                  <a:extLst>
+                    <a:ext uri="{9D8B030D-6E8A-4147-A177-3AD203B41FA5}">
+                      <a16:colId xmlns:a16="http://schemas.microsoft.com/office/drawing/2014/main" val="2010607997"/>
+                    </a:ext>
+                  </a:extLst>
+                </a:gridCol>
+                <a:gridCol w="583294">
+                  <a:extLst>
+                    <a:ext uri="{9D8B030D-6E8A-4147-A177-3AD203B41FA5}">
+                      <a16:colId xmlns:a16="http://schemas.microsoft.com/office/drawing/2014/main" val="1084825983"/>
+                    </a:ext>
+                  </a:extLst>
+                </a:gridCol>
+                <a:gridCol w="583294">
+                  <a:extLst>
+                    <a:ext uri="{9D8B030D-6E8A-4147-A177-3AD203B41FA5}">
+                      <a16:colId xmlns:a16="http://schemas.microsoft.com/office/drawing/2014/main" val="3570718170"/>
+                    </a:ext>
+                  </a:extLst>
+                </a:gridCol>
+              </a:tblGrid>
+              <a:tr h="282151">
+                <a:tc>
+                  <a:txBody>
+                    <a:bodyPr/>
+                    <a:lstStyle/>
+                    <a:p>
+                      <a:pPr algn="ctr" latinLnBrk="1"/>
+                      <a:r>
+                        <a:rPr lang="en-US" altLang="ko-KR" dirty="0"/>
+                        <a:t>AR 2</a:t>
+                      </a:r>
+                      <a:r>
+                        <a:rPr lang="ko-KR" altLang="en-US" dirty="0"/>
+                        <a:t>킬 사냥터</a:t>
+                      </a:r>
+                    </a:p>
+                  </a:txBody>
+                  <a:tcPr/>
+                </a:tc>
+                <a:tc>
+                  <a:txBody>
+                    <a:bodyPr/>
+                    <a:lstStyle/>
+                    <a:p>
+                      <a:pPr algn="ctr" latinLnBrk="1"/>
+                      <a:endParaRPr lang="ko-KR" altLang="en-US" dirty="0"/>
+                    </a:p>
+                  </a:txBody>
+                  <a:tcPr/>
+                </a:tc>
+                <a:tc>
+                  <a:txBody>
+                    <a:bodyPr/>
+                    <a:lstStyle/>
+                    <a:p>
+                      <a:pPr algn="ctr" latinLnBrk="1"/>
+                      <a:r>
+                        <a:rPr lang="ko-KR" altLang="en-US" dirty="0" err="1"/>
+                        <a:t>초탄</a:t>
+                      </a:r>
+                      <a:endParaRPr lang="ko-KR" altLang="en-US" dirty="0"/>
+                    </a:p>
+                  </a:txBody>
+                  <a:tcPr/>
+                </a:tc>
+                <a:tc>
+                  <a:txBody>
+                    <a:bodyPr/>
+                    <a:lstStyle/>
+                    <a:p>
+                      <a:pPr algn="ctr" latinLnBrk="1"/>
+                      <a:r>
+                        <a:rPr lang="en-US" altLang="ko-KR" dirty="0"/>
+                        <a:t>0.5</a:t>
+                      </a:r>
+                      <a:endParaRPr lang="ko-KR" altLang="en-US" dirty="0"/>
+                    </a:p>
+                  </a:txBody>
+                  <a:tcPr/>
+                </a:tc>
+                <a:tc>
+                  <a:txBody>
+                    <a:bodyPr/>
+                    <a:lstStyle/>
+                    <a:p>
+                      <a:pPr algn="ctr" latinLnBrk="1"/>
+                      <a:r>
+                        <a:rPr lang="en-US" altLang="ko-KR" dirty="0"/>
+                        <a:t>1</a:t>
+                      </a:r>
+                      <a:endParaRPr lang="ko-KR" altLang="en-US" dirty="0"/>
+                    </a:p>
+                  </a:txBody>
+                  <a:tcPr/>
+                </a:tc>
+                <a:tc>
+                  <a:txBody>
+                    <a:bodyPr/>
+                    <a:lstStyle/>
+                    <a:p>
+                      <a:pPr algn="ctr" latinLnBrk="1"/>
+                      <a:r>
+                        <a:rPr lang="en-US" altLang="ko-KR" dirty="0"/>
+                        <a:t>1.5</a:t>
+                      </a:r>
+                      <a:endParaRPr lang="ko-KR" altLang="en-US" dirty="0"/>
+                    </a:p>
+                  </a:txBody>
+                  <a:tcPr/>
+                </a:tc>
+                <a:tc>
+                  <a:txBody>
+                    <a:bodyPr/>
+                    <a:lstStyle/>
+                    <a:p>
+                      <a:pPr algn="ctr" latinLnBrk="1"/>
+                      <a:r>
+                        <a:rPr lang="en-US" altLang="ko-KR" dirty="0"/>
+                        <a:t>2</a:t>
+                      </a:r>
+                      <a:endParaRPr lang="ko-KR" altLang="en-US" dirty="0"/>
+                    </a:p>
+                  </a:txBody>
+                  <a:tcPr/>
+                </a:tc>
+                <a:tc>
+                  <a:txBody>
+                    <a:bodyPr/>
+                    <a:lstStyle/>
+                    <a:p>
+                      <a:pPr algn="ctr" latinLnBrk="1"/>
+                      <a:r>
+                        <a:rPr lang="en-US" altLang="ko-KR" dirty="0"/>
+                        <a:t>2.5</a:t>
+                      </a:r>
+                      <a:endParaRPr lang="ko-KR" altLang="en-US" dirty="0"/>
+                    </a:p>
+                  </a:txBody>
+                  <a:tcPr/>
+                </a:tc>
+                <a:tc>
+                  <a:txBody>
+                    <a:bodyPr/>
+                    <a:lstStyle/>
+                    <a:p>
+                      <a:pPr algn="ctr" latinLnBrk="1"/>
+                      <a:r>
+                        <a:rPr lang="en-US" altLang="ko-KR" dirty="0"/>
+                        <a:t>3</a:t>
+                      </a:r>
+                      <a:endParaRPr lang="ko-KR" altLang="en-US" dirty="0"/>
+                    </a:p>
+                  </a:txBody>
+                  <a:tcPr/>
+                </a:tc>
+                <a:tc>
+                  <a:txBody>
+                    <a:bodyPr/>
+                    <a:lstStyle/>
+                    <a:p>
+                      <a:pPr algn="ctr" latinLnBrk="1"/>
+                      <a:r>
+                        <a:rPr lang="en-US" altLang="ko-KR" dirty="0"/>
+                        <a:t>3.5</a:t>
+                      </a:r>
+                      <a:endParaRPr lang="ko-KR" altLang="en-US" dirty="0"/>
+                    </a:p>
+                  </a:txBody>
+                  <a:tcPr/>
+                </a:tc>
+                <a:tc>
+                  <a:txBody>
+                    <a:bodyPr/>
+                    <a:lstStyle/>
+                    <a:p>
+                      <a:pPr algn="ctr" latinLnBrk="1"/>
+                      <a:r>
+                        <a:rPr lang="en-US" altLang="ko-KR" dirty="0"/>
+                        <a:t>4</a:t>
+                      </a:r>
+                      <a:endParaRPr lang="ko-KR" altLang="en-US" dirty="0"/>
+                    </a:p>
+                  </a:txBody>
+                  <a:tcPr/>
+                </a:tc>
+                <a:tc>
+                  <a:txBody>
+                    <a:bodyPr/>
+                    <a:lstStyle/>
+                    <a:p>
+                      <a:pPr algn="ctr" latinLnBrk="1"/>
+                      <a:r>
+                        <a:rPr lang="en-US" altLang="ko-KR" dirty="0"/>
+                        <a:t>4.5</a:t>
+                      </a:r>
+                      <a:endParaRPr lang="ko-KR" altLang="en-US" dirty="0"/>
+                    </a:p>
+                  </a:txBody>
+                  <a:tcPr/>
+                </a:tc>
+                <a:tc>
+                  <a:txBody>
+                    <a:bodyPr/>
+                    <a:lstStyle/>
+                    <a:p>
+                      <a:pPr algn="ctr" latinLnBrk="1"/>
+                      <a:r>
+                        <a:rPr lang="en-US" altLang="ko-KR" dirty="0"/>
+                        <a:t>5</a:t>
+                      </a:r>
+                      <a:endParaRPr lang="ko-KR" altLang="en-US" dirty="0"/>
+                    </a:p>
+                  </a:txBody>
+                  <a:tcPr/>
+                </a:tc>
+                <a:tc>
+                  <a:txBody>
+                    <a:bodyPr/>
+                    <a:lstStyle/>
+                    <a:p>
+                      <a:pPr algn="ctr" latinLnBrk="1"/>
+                      <a:r>
+                        <a:rPr lang="en-US" altLang="ko-KR" dirty="0"/>
+                        <a:t>5.5</a:t>
+                      </a:r>
+                      <a:endParaRPr lang="ko-KR" altLang="en-US" dirty="0"/>
+                    </a:p>
+                  </a:txBody>
+                  <a:tcPr/>
+                </a:tc>
+                <a:tc>
+                  <a:txBody>
+                    <a:bodyPr/>
+                    <a:lstStyle/>
+                    <a:p>
+                      <a:pPr algn="ctr" latinLnBrk="1"/>
+                      <a:r>
+                        <a:rPr lang="en-US" altLang="ko-KR" dirty="0"/>
+                        <a:t>6</a:t>
+                      </a:r>
+                      <a:endParaRPr lang="ko-KR" altLang="en-US" dirty="0"/>
+                    </a:p>
+                  </a:txBody>
+                  <a:tcPr/>
+                </a:tc>
+                <a:tc>
+                  <a:txBody>
+                    <a:bodyPr/>
+                    <a:lstStyle/>
+                    <a:p>
+                      <a:pPr algn="ctr" latinLnBrk="1"/>
+                      <a:r>
+                        <a:rPr lang="en-US" altLang="ko-KR" dirty="0"/>
+                        <a:t>6.5</a:t>
+                      </a:r>
+                      <a:endParaRPr lang="ko-KR" altLang="en-US" dirty="0"/>
+                    </a:p>
+                  </a:txBody>
+                  <a:tcPr/>
+                </a:tc>
+                <a:tc>
+                  <a:txBody>
+                    <a:bodyPr/>
+                    <a:lstStyle/>
+                    <a:p>
+                      <a:pPr algn="ctr" latinLnBrk="1"/>
+                      <a:r>
+                        <a:rPr lang="en-US" altLang="ko-KR" dirty="0"/>
+                        <a:t>7</a:t>
+                      </a:r>
+                      <a:endParaRPr lang="ko-KR" altLang="en-US" dirty="0"/>
+                    </a:p>
+                  </a:txBody>
+                  <a:tcPr/>
+                </a:tc>
+                <a:tc>
+                  <a:txBody>
+                    <a:bodyPr/>
+                    <a:lstStyle/>
+                    <a:p>
+                      <a:pPr algn="ctr" latinLnBrk="1"/>
+                      <a:r>
+                        <a:rPr lang="en-US" altLang="ko-KR" dirty="0"/>
+                        <a:t>7.5</a:t>
+                      </a:r>
+                      <a:endParaRPr lang="ko-KR" altLang="en-US" dirty="0"/>
+                    </a:p>
+                  </a:txBody>
+                  <a:tcPr/>
+                </a:tc>
+                <a:extLst>
+                  <a:ext uri="{0D108BD9-81ED-4DB2-BD59-A6C34878D82A}">
+                    <a16:rowId xmlns:a16="http://schemas.microsoft.com/office/drawing/2014/main" val="1212102561"/>
+                  </a:ext>
+                </a:extLst>
+              </a:tr>
+              <a:tr h="282151">
+                <a:tc>
+                  <a:txBody>
+                    <a:bodyPr/>
+                    <a:lstStyle/>
+                    <a:p>
+                      <a:pPr algn="ctr" latinLnBrk="1"/>
+                      <a:r>
+                        <a:rPr lang="en-US" altLang="ko-KR" dirty="0"/>
+                        <a:t>1.5</a:t>
+                      </a:r>
+                      <a:r>
+                        <a:rPr lang="ko-KR" altLang="en-US" dirty="0"/>
+                        <a:t>초에 </a:t>
+                      </a:r>
+                      <a:r>
+                        <a:rPr lang="en-US" altLang="ko-KR" dirty="0"/>
+                        <a:t>1</a:t>
+                      </a:r>
+                      <a:r>
+                        <a:rPr lang="ko-KR" altLang="en-US" dirty="0"/>
+                        <a:t>발</a:t>
+                      </a:r>
+                      <a:endParaRPr lang="en-US" altLang="ko-KR" dirty="0"/>
+                    </a:p>
+                  </a:txBody>
+                  <a:tcPr/>
+                </a:tc>
+                <a:tc>
+                  <a:txBody>
+                    <a:bodyPr/>
+                    <a:lstStyle/>
+                    <a:p>
+                      <a:pPr algn="ctr" latinLnBrk="1"/>
+                      <a:r>
+                        <a:rPr lang="en-US" altLang="ko-KR" dirty="0"/>
+                        <a:t>SG</a:t>
+                      </a:r>
+                      <a:endParaRPr lang="ko-KR" altLang="en-US" dirty="0"/>
+                    </a:p>
+                  </a:txBody>
+                  <a:tcPr/>
+                </a:tc>
+                <a:tc>
+                  <a:txBody>
+                    <a:bodyPr/>
+                    <a:lstStyle/>
+                    <a:p>
+                      <a:pPr algn="ctr" latinLnBrk="1"/>
+                      <a:r>
+                        <a:rPr lang="en-US" altLang="ko-KR" dirty="0"/>
+                        <a:t>1</a:t>
+                      </a:r>
+                      <a:r>
+                        <a:rPr lang="ko-KR" altLang="en-US" dirty="0"/>
+                        <a:t>킬</a:t>
+                      </a:r>
+                    </a:p>
+                  </a:txBody>
+                  <a:tcPr/>
+                </a:tc>
+                <a:tc>
+                  <a:txBody>
+                    <a:bodyPr/>
+                    <a:lstStyle/>
+                    <a:p>
+                      <a:pPr algn="ctr" latinLnBrk="1"/>
+                      <a:endParaRPr lang="ko-KR" altLang="en-US" dirty="0"/>
+                    </a:p>
+                  </a:txBody>
+                  <a:tcPr/>
+                </a:tc>
+                <a:tc>
+                  <a:txBody>
+                    <a:bodyPr/>
+                    <a:lstStyle/>
+                    <a:p>
+                      <a:pPr algn="ctr" latinLnBrk="1"/>
+                      <a:endParaRPr lang="ko-KR" altLang="en-US" dirty="0"/>
+                    </a:p>
+                  </a:txBody>
+                  <a:tcPr/>
+                </a:tc>
+                <a:tc>
+                  <a:txBody>
+                    <a:bodyPr/>
+                    <a:lstStyle/>
+                    <a:p>
+                      <a:pPr algn="ctr" latinLnBrk="1"/>
+                      <a:r>
+                        <a:rPr lang="en-US" altLang="ko-KR" dirty="0"/>
+                        <a:t>2</a:t>
+                      </a:r>
+                      <a:r>
+                        <a:rPr lang="ko-KR" altLang="en-US" dirty="0"/>
+                        <a:t>킬</a:t>
+                      </a:r>
+                    </a:p>
+                  </a:txBody>
+                  <a:tcPr/>
+                </a:tc>
+                <a:tc>
+                  <a:txBody>
+                    <a:bodyPr/>
+                    <a:lstStyle/>
+                    <a:p>
+                      <a:pPr algn="ctr" latinLnBrk="1"/>
+                      <a:endParaRPr lang="ko-KR" altLang="en-US" dirty="0"/>
+                    </a:p>
+                  </a:txBody>
+                  <a:tcPr/>
+                </a:tc>
+                <a:tc>
+                  <a:txBody>
+                    <a:bodyPr/>
+                    <a:lstStyle/>
+                    <a:p>
+                      <a:pPr algn="ctr" latinLnBrk="1"/>
+                      <a:endParaRPr lang="ko-KR" altLang="en-US" dirty="0"/>
+                    </a:p>
+                  </a:txBody>
+                  <a:tcPr/>
+                </a:tc>
+                <a:tc>
+                  <a:txBody>
+                    <a:bodyPr/>
+                    <a:lstStyle/>
+                    <a:p>
+                      <a:pPr algn="ctr" latinLnBrk="1"/>
+                      <a:r>
+                        <a:rPr lang="en-US" altLang="ko-KR" dirty="0"/>
+                        <a:t>3</a:t>
+                      </a:r>
+                      <a:r>
+                        <a:rPr lang="ko-KR" altLang="en-US" dirty="0"/>
+                        <a:t>킬</a:t>
+                      </a:r>
+                    </a:p>
+                  </a:txBody>
+                  <a:tcPr/>
+                </a:tc>
+                <a:tc>
+                  <a:txBody>
+                    <a:bodyPr/>
+                    <a:lstStyle/>
+                    <a:p>
+                      <a:pPr algn="ctr" latinLnBrk="1"/>
+                      <a:endParaRPr lang="ko-KR" altLang="en-US" dirty="0"/>
+                    </a:p>
+                  </a:txBody>
+                  <a:tcPr/>
+                </a:tc>
+                <a:tc>
+                  <a:txBody>
+                    <a:bodyPr/>
+                    <a:lstStyle/>
+                    <a:p>
+                      <a:pPr algn="ctr" latinLnBrk="1"/>
+                      <a:endParaRPr lang="ko-KR" altLang="en-US" dirty="0"/>
+                    </a:p>
+                  </a:txBody>
+                  <a:tcPr/>
+                </a:tc>
+                <a:tc>
+                  <a:txBody>
+                    <a:bodyPr/>
+                    <a:lstStyle/>
+                    <a:p>
+                      <a:pPr algn="ctr" latinLnBrk="1"/>
+                      <a:r>
+                        <a:rPr lang="en-US" altLang="ko-KR" dirty="0"/>
+                        <a:t>4</a:t>
+                      </a:r>
+                      <a:r>
+                        <a:rPr lang="ko-KR" altLang="en-US" dirty="0"/>
+                        <a:t>킬</a:t>
+                      </a:r>
+                    </a:p>
+                  </a:txBody>
+                  <a:tcPr/>
+                </a:tc>
+                <a:tc>
+                  <a:txBody>
+                    <a:bodyPr/>
+                    <a:lstStyle/>
+                    <a:p>
+                      <a:pPr algn="ctr" latinLnBrk="1"/>
+                      <a:endParaRPr lang="ko-KR" altLang="en-US" dirty="0"/>
+                    </a:p>
+                  </a:txBody>
+                  <a:tcPr/>
+                </a:tc>
+                <a:tc>
+                  <a:txBody>
+                    <a:bodyPr/>
+                    <a:lstStyle/>
+                    <a:p>
+                      <a:pPr algn="ctr" latinLnBrk="1"/>
+                      <a:endParaRPr lang="ko-KR" altLang="en-US" dirty="0"/>
+                    </a:p>
+                  </a:txBody>
+                  <a:tcPr/>
+                </a:tc>
+                <a:tc>
+                  <a:txBody>
+                    <a:bodyPr/>
+                    <a:lstStyle/>
+                    <a:p>
+                      <a:pPr algn="ctr" latinLnBrk="1"/>
+                      <a:r>
+                        <a:rPr lang="en-US" altLang="ko-KR" dirty="0"/>
+                        <a:t>5</a:t>
+                      </a:r>
+                      <a:r>
+                        <a:rPr lang="ko-KR" altLang="en-US" dirty="0"/>
+                        <a:t>킬</a:t>
+                      </a:r>
+                    </a:p>
+                  </a:txBody>
+                  <a:tcPr/>
+                </a:tc>
+                <a:tc>
+                  <a:txBody>
+                    <a:bodyPr/>
+                    <a:lstStyle/>
+                    <a:p>
+                      <a:pPr algn="ctr" latinLnBrk="1"/>
+                      <a:endParaRPr lang="ko-KR" altLang="en-US" dirty="0"/>
+                    </a:p>
+                  </a:txBody>
+                  <a:tcPr/>
+                </a:tc>
+                <a:tc>
+                  <a:txBody>
+                    <a:bodyPr/>
+                    <a:lstStyle/>
+                    <a:p>
+                      <a:pPr algn="ctr" latinLnBrk="1"/>
+                      <a:endParaRPr lang="ko-KR" altLang="en-US" dirty="0"/>
+                    </a:p>
+                  </a:txBody>
+                  <a:tcPr/>
+                </a:tc>
+                <a:tc>
+                  <a:txBody>
+                    <a:bodyPr/>
+                    <a:lstStyle/>
+                    <a:p>
+                      <a:pPr algn="ctr" latinLnBrk="1"/>
+                      <a:r>
+                        <a:rPr lang="en-US" altLang="ko-KR" dirty="0"/>
+                        <a:t>6</a:t>
+                      </a:r>
+                      <a:r>
+                        <a:rPr lang="ko-KR" altLang="en-US" dirty="0"/>
+                        <a:t>킬</a:t>
+                      </a:r>
+                    </a:p>
+                  </a:txBody>
+                  <a:tcPr/>
+                </a:tc>
+                <a:extLst>
+                  <a:ext uri="{0D108BD9-81ED-4DB2-BD59-A6C34878D82A}">
+                    <a16:rowId xmlns:a16="http://schemas.microsoft.com/office/drawing/2014/main" val="1734742922"/>
+                  </a:ext>
+                </a:extLst>
+              </a:tr>
+              <a:tr h="282151">
+                <a:tc>
+                  <a:txBody>
+                    <a:bodyPr/>
+                    <a:lstStyle/>
+                    <a:p>
+                      <a:pPr algn="ctr" latinLnBrk="1"/>
+                      <a:r>
+                        <a:rPr lang="en-US" altLang="ko-KR" dirty="0"/>
+                        <a:t>0.5</a:t>
+                      </a:r>
+                      <a:r>
+                        <a:rPr lang="ko-KR" altLang="en-US" dirty="0"/>
+                        <a:t>초에 </a:t>
+                      </a:r>
+                      <a:r>
+                        <a:rPr lang="en-US" altLang="ko-KR" dirty="0"/>
+                        <a:t>1</a:t>
+                      </a:r>
+                      <a:r>
+                        <a:rPr lang="ko-KR" altLang="en-US" dirty="0"/>
+                        <a:t>발</a:t>
+                      </a:r>
+                    </a:p>
+                  </a:txBody>
+                  <a:tcPr/>
+                </a:tc>
+                <a:tc>
+                  <a:txBody>
+                    <a:bodyPr/>
+                    <a:lstStyle/>
+                    <a:p>
+                      <a:pPr algn="ctr" latinLnBrk="1"/>
+                      <a:r>
+                        <a:rPr lang="en-US" altLang="ko-KR" dirty="0"/>
+                        <a:t>AR</a:t>
+                      </a:r>
+                      <a:endParaRPr lang="ko-KR" altLang="en-US" dirty="0"/>
+                    </a:p>
+                  </a:txBody>
+                  <a:tcPr/>
+                </a:tc>
+                <a:tc>
+                  <a:txBody>
+                    <a:bodyPr/>
+                    <a:lstStyle/>
+                    <a:p>
+                      <a:pPr algn="ctr" latinLnBrk="1"/>
+                      <a:r>
+                        <a:rPr lang="en-US" altLang="ko-KR" dirty="0"/>
+                        <a:t>-</a:t>
+                      </a:r>
+                      <a:endParaRPr lang="ko-KR" altLang="en-US" dirty="0"/>
+                    </a:p>
+                  </a:txBody>
+                  <a:tcPr/>
+                </a:tc>
+                <a:tc>
+                  <a:txBody>
+                    <a:bodyPr/>
+                    <a:lstStyle/>
+                    <a:p>
+                      <a:pPr algn="ctr" latinLnBrk="1"/>
+                      <a:r>
+                        <a:rPr lang="en-US" altLang="ko-KR" dirty="0"/>
+                        <a:t>1</a:t>
+                      </a:r>
+                      <a:r>
+                        <a:rPr lang="ko-KR" altLang="en-US" dirty="0"/>
+                        <a:t>킬</a:t>
+                      </a:r>
+                    </a:p>
+                  </a:txBody>
+                  <a:tcPr/>
+                </a:tc>
+                <a:tc>
+                  <a:txBody>
+                    <a:bodyPr/>
+                    <a:lstStyle/>
+                    <a:p>
+                      <a:pPr algn="ctr" latinLnBrk="1"/>
+                      <a:r>
+                        <a:rPr lang="en-US" altLang="ko-KR" dirty="0"/>
+                        <a:t>-</a:t>
+                      </a:r>
+                      <a:endParaRPr lang="ko-KR" altLang="en-US" dirty="0"/>
+                    </a:p>
+                  </a:txBody>
+                  <a:tcPr/>
+                </a:tc>
+                <a:tc>
+                  <a:txBody>
+                    <a:bodyPr/>
+                    <a:lstStyle/>
+                    <a:p>
+                      <a:pPr algn="ctr" latinLnBrk="1"/>
+                      <a:r>
+                        <a:rPr lang="en-US" altLang="ko-KR" dirty="0"/>
+                        <a:t>2</a:t>
+                      </a:r>
+                      <a:r>
+                        <a:rPr lang="ko-KR" altLang="en-US" dirty="0"/>
+                        <a:t>킬</a:t>
+                      </a:r>
+                    </a:p>
+                  </a:txBody>
+                  <a:tcPr/>
+                </a:tc>
+                <a:tc>
+                  <a:txBody>
+                    <a:bodyPr/>
+                    <a:lstStyle/>
+                    <a:p>
+                      <a:pPr algn="ctr" latinLnBrk="1"/>
+                      <a:r>
+                        <a:rPr lang="en-US" altLang="ko-KR" dirty="0"/>
+                        <a:t>-</a:t>
+                      </a:r>
+                      <a:endParaRPr lang="ko-KR" altLang="en-US" dirty="0"/>
+                    </a:p>
+                  </a:txBody>
+                  <a:tcPr/>
+                </a:tc>
+                <a:tc>
+                  <a:txBody>
+                    <a:bodyPr/>
+                    <a:lstStyle/>
+                    <a:p>
+                      <a:pPr algn="ctr" latinLnBrk="1"/>
+                      <a:r>
+                        <a:rPr lang="en-US" altLang="ko-KR" dirty="0"/>
+                        <a:t>3</a:t>
+                      </a:r>
+                      <a:r>
+                        <a:rPr lang="ko-KR" altLang="en-US" dirty="0"/>
+                        <a:t>킬</a:t>
+                      </a:r>
+                    </a:p>
+                  </a:txBody>
+                  <a:tcPr/>
+                </a:tc>
+                <a:tc>
+                  <a:txBody>
+                    <a:bodyPr/>
+                    <a:lstStyle/>
+                    <a:p>
+                      <a:pPr algn="ctr" latinLnBrk="1"/>
+                      <a:r>
+                        <a:rPr lang="en-US" altLang="ko-KR" dirty="0"/>
+                        <a:t>-</a:t>
+                      </a:r>
+                      <a:endParaRPr lang="ko-KR" altLang="en-US" dirty="0"/>
+                    </a:p>
+                  </a:txBody>
+                  <a:tcPr/>
+                </a:tc>
+                <a:tc>
+                  <a:txBody>
+                    <a:bodyPr/>
+                    <a:lstStyle/>
+                    <a:p>
+                      <a:pPr algn="ctr" latinLnBrk="1"/>
+                      <a:r>
+                        <a:rPr lang="en-US" altLang="ko-KR" dirty="0"/>
+                        <a:t>4</a:t>
+                      </a:r>
+                      <a:r>
+                        <a:rPr lang="ko-KR" altLang="en-US" dirty="0"/>
+                        <a:t>킬</a:t>
+                      </a:r>
+                    </a:p>
+                  </a:txBody>
+                  <a:tcPr/>
+                </a:tc>
+                <a:tc>
+                  <a:txBody>
+                    <a:bodyPr/>
+                    <a:lstStyle/>
+                    <a:p>
+                      <a:pPr algn="ctr" latinLnBrk="1"/>
+                      <a:r>
+                        <a:rPr lang="en-US" altLang="ko-KR" dirty="0"/>
+                        <a:t>-</a:t>
+                      </a:r>
+                      <a:endParaRPr lang="ko-KR" altLang="en-US" dirty="0"/>
+                    </a:p>
+                  </a:txBody>
+                  <a:tcPr/>
+                </a:tc>
+                <a:tc>
+                  <a:txBody>
+                    <a:bodyPr/>
+                    <a:lstStyle/>
+                    <a:p>
+                      <a:pPr algn="ctr" latinLnBrk="1"/>
+                      <a:r>
+                        <a:rPr lang="en-US" altLang="ko-KR" dirty="0"/>
+                        <a:t>5</a:t>
+                      </a:r>
+                      <a:r>
+                        <a:rPr lang="ko-KR" altLang="en-US" dirty="0"/>
+                        <a:t>킬</a:t>
+                      </a:r>
+                    </a:p>
+                  </a:txBody>
+                  <a:tcPr/>
+                </a:tc>
+                <a:tc>
+                  <a:txBody>
+                    <a:bodyPr/>
+                    <a:lstStyle/>
+                    <a:p>
+                      <a:pPr algn="ctr" latinLnBrk="1"/>
+                      <a:r>
+                        <a:rPr lang="en-US" altLang="ko-KR" dirty="0"/>
+                        <a:t>-</a:t>
+                      </a:r>
+                      <a:endParaRPr lang="ko-KR" altLang="en-US" dirty="0"/>
+                    </a:p>
+                  </a:txBody>
+                  <a:tcPr/>
+                </a:tc>
+                <a:tc>
+                  <a:txBody>
+                    <a:bodyPr/>
+                    <a:lstStyle/>
+                    <a:p>
+                      <a:pPr algn="ctr" latinLnBrk="1"/>
+                      <a:r>
+                        <a:rPr lang="en-US" altLang="ko-KR" dirty="0"/>
+                        <a:t>6</a:t>
+                      </a:r>
+                      <a:r>
+                        <a:rPr lang="ko-KR" altLang="en-US" dirty="0"/>
+                        <a:t>킬</a:t>
+                      </a:r>
+                    </a:p>
+                  </a:txBody>
+                  <a:tcPr/>
+                </a:tc>
+                <a:tc>
+                  <a:txBody>
+                    <a:bodyPr/>
+                    <a:lstStyle/>
+                    <a:p>
+                      <a:pPr algn="ctr" latinLnBrk="1"/>
+                      <a:r>
+                        <a:rPr lang="en-US" altLang="ko-KR" dirty="0"/>
+                        <a:t>-</a:t>
+                      </a:r>
+                      <a:endParaRPr lang="ko-KR" altLang="en-US" dirty="0"/>
+                    </a:p>
+                  </a:txBody>
+                  <a:tcPr/>
+                </a:tc>
+                <a:tc>
+                  <a:txBody>
+                    <a:bodyPr/>
+                    <a:lstStyle/>
+                    <a:p>
+                      <a:pPr algn="ctr" latinLnBrk="1"/>
+                      <a:r>
+                        <a:rPr lang="en-US" altLang="ko-KR" dirty="0"/>
+                        <a:t>7</a:t>
+                      </a:r>
+                      <a:r>
+                        <a:rPr lang="ko-KR" altLang="en-US" dirty="0"/>
+                        <a:t>킬</a:t>
+                      </a:r>
+                    </a:p>
+                  </a:txBody>
+                  <a:tcPr/>
+                </a:tc>
+                <a:tc>
+                  <a:txBody>
+                    <a:bodyPr/>
+                    <a:lstStyle/>
+                    <a:p>
+                      <a:pPr algn="ctr" latinLnBrk="1"/>
+                      <a:r>
+                        <a:rPr lang="en-US" altLang="ko-KR" dirty="0"/>
+                        <a:t>-</a:t>
+                      </a:r>
+                      <a:endParaRPr lang="ko-KR" altLang="en-US" dirty="0"/>
+                    </a:p>
+                  </a:txBody>
+                  <a:tcPr/>
+                </a:tc>
+                <a:tc>
+                  <a:txBody>
+                    <a:bodyPr/>
+                    <a:lstStyle/>
+                    <a:p>
+                      <a:pPr algn="ctr" latinLnBrk="1"/>
+                      <a:r>
+                        <a:rPr lang="en-US" altLang="ko-KR" dirty="0"/>
+                        <a:t>8</a:t>
+                      </a:r>
+                      <a:r>
+                        <a:rPr lang="ko-KR" altLang="en-US" dirty="0"/>
+                        <a:t>킬</a:t>
+                      </a:r>
+                    </a:p>
+                  </a:txBody>
+                  <a:tcPr/>
+                </a:tc>
+                <a:extLst>
+                  <a:ext uri="{0D108BD9-81ED-4DB2-BD59-A6C34878D82A}">
+                    <a16:rowId xmlns:a16="http://schemas.microsoft.com/office/drawing/2014/main" val="1513614574"/>
+                  </a:ext>
+                </a:extLst>
+              </a:tr>
+              <a:tr h="282151">
+                <a:tc>
+                  <a:txBody>
+                    <a:bodyPr/>
+                    <a:lstStyle/>
+                    <a:p>
+                      <a:pPr algn="ctr" latinLnBrk="1"/>
+                      <a:r>
+                        <a:rPr lang="en-US" altLang="ko-KR" dirty="0"/>
+                        <a:t>1.5</a:t>
+                      </a:r>
+                      <a:r>
+                        <a:rPr lang="ko-KR" altLang="en-US" dirty="0"/>
+                        <a:t>초에 </a:t>
+                      </a:r>
+                      <a:r>
+                        <a:rPr lang="en-US" altLang="ko-KR" dirty="0"/>
+                        <a:t>1</a:t>
+                      </a:r>
+                      <a:r>
+                        <a:rPr lang="ko-KR" altLang="en-US" dirty="0"/>
+                        <a:t>발</a:t>
+                      </a:r>
+                    </a:p>
+                  </a:txBody>
+                  <a:tcPr/>
+                </a:tc>
+                <a:tc>
+                  <a:txBody>
+                    <a:bodyPr/>
+                    <a:lstStyle/>
+                    <a:p>
+                      <a:pPr algn="ctr" latinLnBrk="1"/>
+                      <a:r>
+                        <a:rPr lang="en-US" altLang="ko-KR" dirty="0"/>
+                        <a:t>SR</a:t>
+                      </a:r>
+                      <a:endParaRPr lang="ko-KR" altLang="en-US" dirty="0"/>
+                    </a:p>
+                  </a:txBody>
+                  <a:tcPr/>
+                </a:tc>
+                <a:tc>
+                  <a:txBody>
+                    <a:bodyPr/>
+                    <a:lstStyle/>
+                    <a:p>
+                      <a:pPr algn="ctr" latinLnBrk="1"/>
+                      <a:r>
+                        <a:rPr lang="en-US" altLang="ko-KR" dirty="0"/>
+                        <a:t>1</a:t>
+                      </a:r>
+                      <a:r>
+                        <a:rPr lang="ko-KR" altLang="en-US" dirty="0"/>
+                        <a:t>킬</a:t>
+                      </a:r>
+                    </a:p>
+                  </a:txBody>
+                  <a:tcPr/>
+                </a:tc>
+                <a:tc>
+                  <a:txBody>
+                    <a:bodyPr/>
+                    <a:lstStyle/>
+                    <a:p>
+                      <a:pPr algn="ctr" latinLnBrk="1"/>
+                      <a:endParaRPr lang="ko-KR" altLang="en-US" dirty="0"/>
+                    </a:p>
+                  </a:txBody>
+                  <a:tcPr/>
+                </a:tc>
+                <a:tc>
+                  <a:txBody>
+                    <a:bodyPr/>
+                    <a:lstStyle/>
+                    <a:p>
+                      <a:pPr algn="ctr" latinLnBrk="1"/>
+                      <a:endParaRPr lang="ko-KR" altLang="en-US" dirty="0"/>
+                    </a:p>
+                  </a:txBody>
+                  <a:tcPr/>
+                </a:tc>
+                <a:tc>
+                  <a:txBody>
+                    <a:bodyPr/>
+                    <a:lstStyle/>
+                    <a:p>
+                      <a:pPr algn="ctr" latinLnBrk="1"/>
+                      <a:r>
+                        <a:rPr lang="en-US" altLang="ko-KR" dirty="0"/>
+                        <a:t>2</a:t>
+                      </a:r>
+                      <a:r>
+                        <a:rPr lang="ko-KR" altLang="en-US" dirty="0"/>
+                        <a:t>킬</a:t>
+                      </a:r>
+                    </a:p>
+                  </a:txBody>
+                  <a:tcPr/>
+                </a:tc>
+                <a:tc>
+                  <a:txBody>
+                    <a:bodyPr/>
+                    <a:lstStyle/>
+                    <a:p>
+                      <a:pPr algn="ctr" latinLnBrk="1"/>
+                      <a:endParaRPr lang="ko-KR" altLang="en-US" dirty="0"/>
+                    </a:p>
+                  </a:txBody>
+                  <a:tcPr/>
+                </a:tc>
+                <a:tc>
+                  <a:txBody>
+                    <a:bodyPr/>
+                    <a:lstStyle/>
+                    <a:p>
+                      <a:pPr algn="ctr" latinLnBrk="1"/>
+                      <a:endParaRPr lang="ko-KR" altLang="en-US" dirty="0"/>
+                    </a:p>
+                  </a:txBody>
+                  <a:tcPr/>
+                </a:tc>
+                <a:tc>
+                  <a:txBody>
+                    <a:bodyPr/>
+                    <a:lstStyle/>
+                    <a:p>
+                      <a:pPr algn="ctr" latinLnBrk="1"/>
+                      <a:r>
+                        <a:rPr lang="en-US" altLang="ko-KR" dirty="0"/>
+                        <a:t>3</a:t>
+                      </a:r>
+                      <a:r>
+                        <a:rPr lang="ko-KR" altLang="en-US" dirty="0"/>
+                        <a:t>킬</a:t>
+                      </a:r>
+                    </a:p>
+                  </a:txBody>
+                  <a:tcPr/>
+                </a:tc>
+                <a:tc>
+                  <a:txBody>
+                    <a:bodyPr/>
+                    <a:lstStyle/>
+                    <a:p>
+                      <a:pPr algn="ctr" latinLnBrk="1"/>
+                      <a:endParaRPr lang="ko-KR" altLang="en-US" dirty="0"/>
+                    </a:p>
+                  </a:txBody>
+                  <a:tcPr/>
+                </a:tc>
+                <a:tc>
+                  <a:txBody>
+                    <a:bodyPr/>
+                    <a:lstStyle/>
+                    <a:p>
+                      <a:pPr algn="ctr" latinLnBrk="1"/>
+                      <a:endParaRPr lang="ko-KR" altLang="en-US" dirty="0"/>
+                    </a:p>
+                  </a:txBody>
+                  <a:tcPr/>
+                </a:tc>
+                <a:tc>
+                  <a:txBody>
+                    <a:bodyPr/>
+                    <a:lstStyle/>
+                    <a:p>
+                      <a:pPr algn="ctr" latinLnBrk="1"/>
+                      <a:r>
+                        <a:rPr lang="en-US" altLang="ko-KR" dirty="0"/>
+                        <a:t>4</a:t>
+                      </a:r>
+                      <a:r>
+                        <a:rPr lang="ko-KR" altLang="en-US" dirty="0"/>
+                        <a:t>킬</a:t>
+                      </a:r>
+                    </a:p>
+                  </a:txBody>
+                  <a:tcPr/>
+                </a:tc>
+                <a:tc>
+                  <a:txBody>
+                    <a:bodyPr/>
+                    <a:lstStyle/>
+                    <a:p>
+                      <a:pPr algn="ctr" latinLnBrk="1"/>
+                      <a:endParaRPr lang="ko-KR" altLang="en-US" dirty="0"/>
+                    </a:p>
+                  </a:txBody>
+                  <a:tcPr/>
+                </a:tc>
+                <a:tc>
+                  <a:txBody>
+                    <a:bodyPr/>
+                    <a:lstStyle/>
+                    <a:p>
+                      <a:pPr algn="ctr" latinLnBrk="1"/>
+                      <a:endParaRPr lang="ko-KR" altLang="en-US" dirty="0"/>
+                    </a:p>
+                  </a:txBody>
+                  <a:tcPr/>
+                </a:tc>
+                <a:tc>
+                  <a:txBody>
+                    <a:bodyPr/>
+                    <a:lstStyle/>
+                    <a:p>
+                      <a:pPr algn="ctr" latinLnBrk="1"/>
+                      <a:r>
+                        <a:rPr lang="en-US" altLang="ko-KR" dirty="0"/>
+                        <a:t>5</a:t>
+                      </a:r>
+                      <a:r>
+                        <a:rPr lang="ko-KR" altLang="en-US" dirty="0"/>
+                        <a:t>킬</a:t>
+                      </a:r>
+                    </a:p>
+                  </a:txBody>
+                  <a:tcPr/>
+                </a:tc>
+                <a:tc>
+                  <a:txBody>
+                    <a:bodyPr/>
+                    <a:lstStyle/>
+                    <a:p>
+                      <a:pPr algn="ctr" latinLnBrk="1"/>
+                      <a:endParaRPr lang="ko-KR" altLang="en-US" dirty="0"/>
+                    </a:p>
+                  </a:txBody>
+                  <a:tcPr/>
+                </a:tc>
+                <a:tc>
+                  <a:txBody>
+                    <a:bodyPr/>
+                    <a:lstStyle/>
+                    <a:p>
+                      <a:pPr algn="ctr" latinLnBrk="1"/>
+                      <a:endParaRPr lang="ko-KR" altLang="en-US" dirty="0"/>
+                    </a:p>
+                  </a:txBody>
+                  <a:tcPr/>
+                </a:tc>
+                <a:tc>
+                  <a:txBody>
+                    <a:bodyPr/>
+                    <a:lstStyle/>
+                    <a:p>
+                      <a:pPr algn="ctr" latinLnBrk="1"/>
+                      <a:r>
+                        <a:rPr lang="en-US" altLang="ko-KR" dirty="0"/>
+                        <a:t>6</a:t>
+                      </a:r>
+                      <a:r>
+                        <a:rPr lang="ko-KR" altLang="en-US" dirty="0"/>
+                        <a:t>킬</a:t>
+                      </a:r>
+                    </a:p>
+                  </a:txBody>
+                  <a:tcPr/>
+                </a:tc>
+                <a:extLst>
+                  <a:ext uri="{0D108BD9-81ED-4DB2-BD59-A6C34878D82A}">
+                    <a16:rowId xmlns:a16="http://schemas.microsoft.com/office/drawing/2014/main" val="200187993"/>
+                  </a:ext>
+                </a:extLst>
+              </a:tr>
+            </a:tbl>
+          </a:graphicData>
+        </a:graphic>
+      </p:graphicFrame>
+      <p:graphicFrame>
+        <p:nvGraphicFramePr>
+          <p:cNvPr id="4" name="표 6">
+            <a:extLst>
+              <a:ext uri="{FF2B5EF4-FFF2-40B4-BE49-F238E27FC236}">
+                <a16:creationId xmlns:a16="http://schemas.microsoft.com/office/drawing/2014/main" id="{BAC25D8F-FE09-C322-D0ED-85BCB9F016CE}"/>
+              </a:ext>
+            </a:extLst>
+          </p:cNvPr>
+          <p:cNvGraphicFramePr>
+            <a:graphicFrameLocks noGrp="1"/>
+          </p:cNvGraphicFramePr>
+          <p:nvPr>
+            <p:extLst>
+              <p:ext uri="{D42A27DB-BD31-4B8C-83A1-F6EECF244321}">
+                <p14:modId xmlns:p14="http://schemas.microsoft.com/office/powerpoint/2010/main" val="1856021128"/>
+              </p:ext>
+            </p:extLst>
+          </p:nvPr>
+        </p:nvGraphicFramePr>
+        <p:xfrm>
+          <a:off x="495238" y="3197691"/>
+          <a:ext cx="11201522" cy="1219200"/>
+        </p:xfrm>
+        <a:graphic>
+          <a:graphicData uri="http://schemas.openxmlformats.org/drawingml/2006/table">
+            <a:tbl>
+              <a:tblPr firstRow="1" bandRow="1">
+                <a:tableStyleId>{5940675A-B579-460E-94D1-54222C63F5DA}</a:tableStyleId>
+              </a:tblPr>
+              <a:tblGrid>
+                <a:gridCol w="1404361">
+                  <a:extLst>
+                    <a:ext uri="{9D8B030D-6E8A-4147-A177-3AD203B41FA5}">
+                      <a16:colId xmlns:a16="http://schemas.microsoft.com/office/drawing/2014/main" val="3278806615"/>
+                    </a:ext>
+                  </a:extLst>
+                </a:gridCol>
+                <a:gridCol w="464457">
+                  <a:extLst>
+                    <a:ext uri="{9D8B030D-6E8A-4147-A177-3AD203B41FA5}">
+                      <a16:colId xmlns:a16="http://schemas.microsoft.com/office/drawing/2014/main" val="398399140"/>
+                    </a:ext>
+                  </a:extLst>
+                </a:gridCol>
+                <a:gridCol w="583294">
+                  <a:extLst>
+                    <a:ext uri="{9D8B030D-6E8A-4147-A177-3AD203B41FA5}">
+                      <a16:colId xmlns:a16="http://schemas.microsoft.com/office/drawing/2014/main" val="1278134390"/>
+                    </a:ext>
+                  </a:extLst>
+                </a:gridCol>
+                <a:gridCol w="583294">
+                  <a:extLst>
+                    <a:ext uri="{9D8B030D-6E8A-4147-A177-3AD203B41FA5}">
+                      <a16:colId xmlns:a16="http://schemas.microsoft.com/office/drawing/2014/main" val="40717878"/>
+                    </a:ext>
+                  </a:extLst>
+                </a:gridCol>
+                <a:gridCol w="583294">
+                  <a:extLst>
+                    <a:ext uri="{9D8B030D-6E8A-4147-A177-3AD203B41FA5}">
+                      <a16:colId xmlns:a16="http://schemas.microsoft.com/office/drawing/2014/main" val="1021668403"/>
+                    </a:ext>
+                  </a:extLst>
+                </a:gridCol>
+                <a:gridCol w="583294">
+                  <a:extLst>
+                    <a:ext uri="{9D8B030D-6E8A-4147-A177-3AD203B41FA5}">
+                      <a16:colId xmlns:a16="http://schemas.microsoft.com/office/drawing/2014/main" val="4028063726"/>
+                    </a:ext>
+                  </a:extLst>
+                </a:gridCol>
+                <a:gridCol w="583294">
+                  <a:extLst>
+                    <a:ext uri="{9D8B030D-6E8A-4147-A177-3AD203B41FA5}">
+                      <a16:colId xmlns:a16="http://schemas.microsoft.com/office/drawing/2014/main" val="837754176"/>
+                    </a:ext>
+                  </a:extLst>
+                </a:gridCol>
+                <a:gridCol w="583294">
+                  <a:extLst>
+                    <a:ext uri="{9D8B030D-6E8A-4147-A177-3AD203B41FA5}">
+                      <a16:colId xmlns:a16="http://schemas.microsoft.com/office/drawing/2014/main" val="2339322482"/>
+                    </a:ext>
+                  </a:extLst>
+                </a:gridCol>
+                <a:gridCol w="583294">
+                  <a:extLst>
+                    <a:ext uri="{9D8B030D-6E8A-4147-A177-3AD203B41FA5}">
+                      <a16:colId xmlns:a16="http://schemas.microsoft.com/office/drawing/2014/main" val="2653500809"/>
+                    </a:ext>
+                  </a:extLst>
+                </a:gridCol>
+                <a:gridCol w="583294">
+                  <a:extLst>
+                    <a:ext uri="{9D8B030D-6E8A-4147-A177-3AD203B41FA5}">
+                      <a16:colId xmlns:a16="http://schemas.microsoft.com/office/drawing/2014/main" val="4207959924"/>
+                    </a:ext>
+                  </a:extLst>
+                </a:gridCol>
+                <a:gridCol w="583294">
+                  <a:extLst>
+                    <a:ext uri="{9D8B030D-6E8A-4147-A177-3AD203B41FA5}">
+                      <a16:colId xmlns:a16="http://schemas.microsoft.com/office/drawing/2014/main" val="2914503104"/>
+                    </a:ext>
+                  </a:extLst>
+                </a:gridCol>
+                <a:gridCol w="583294">
+                  <a:extLst>
+                    <a:ext uri="{9D8B030D-6E8A-4147-A177-3AD203B41FA5}">
+                      <a16:colId xmlns:a16="http://schemas.microsoft.com/office/drawing/2014/main" val="2205305637"/>
+                    </a:ext>
+                  </a:extLst>
+                </a:gridCol>
+                <a:gridCol w="583294">
+                  <a:extLst>
+                    <a:ext uri="{9D8B030D-6E8A-4147-A177-3AD203B41FA5}">
+                      <a16:colId xmlns:a16="http://schemas.microsoft.com/office/drawing/2014/main" val="2880479586"/>
+                    </a:ext>
+                  </a:extLst>
+                </a:gridCol>
+                <a:gridCol w="583294">
+                  <a:extLst>
+                    <a:ext uri="{9D8B030D-6E8A-4147-A177-3AD203B41FA5}">
+                      <a16:colId xmlns:a16="http://schemas.microsoft.com/office/drawing/2014/main" val="2596435566"/>
+                    </a:ext>
+                  </a:extLst>
+                </a:gridCol>
+                <a:gridCol w="583294">
+                  <a:extLst>
+                    <a:ext uri="{9D8B030D-6E8A-4147-A177-3AD203B41FA5}">
+                      <a16:colId xmlns:a16="http://schemas.microsoft.com/office/drawing/2014/main" val="1404737855"/>
+                    </a:ext>
+                  </a:extLst>
+                </a:gridCol>
+                <a:gridCol w="583294">
+                  <a:extLst>
+                    <a:ext uri="{9D8B030D-6E8A-4147-A177-3AD203B41FA5}">
+                      <a16:colId xmlns:a16="http://schemas.microsoft.com/office/drawing/2014/main" val="2010607997"/>
+                    </a:ext>
+                  </a:extLst>
+                </a:gridCol>
+                <a:gridCol w="583294">
+                  <a:extLst>
+                    <a:ext uri="{9D8B030D-6E8A-4147-A177-3AD203B41FA5}">
+                      <a16:colId xmlns:a16="http://schemas.microsoft.com/office/drawing/2014/main" val="1084825983"/>
+                    </a:ext>
+                  </a:extLst>
+                </a:gridCol>
+                <a:gridCol w="583294">
+                  <a:extLst>
+                    <a:ext uri="{9D8B030D-6E8A-4147-A177-3AD203B41FA5}">
+                      <a16:colId xmlns:a16="http://schemas.microsoft.com/office/drawing/2014/main" val="3570718170"/>
+                    </a:ext>
+                  </a:extLst>
+                </a:gridCol>
+              </a:tblGrid>
+              <a:tr h="282151">
+                <a:tc>
+                  <a:txBody>
+                    <a:bodyPr/>
+                    <a:lstStyle/>
+                    <a:p>
+                      <a:pPr algn="ctr" latinLnBrk="1"/>
+                      <a:r>
+                        <a:rPr lang="en-US" altLang="ko-KR" dirty="0"/>
+                        <a:t>AR 3</a:t>
+                      </a:r>
+                      <a:r>
+                        <a:rPr lang="ko-KR" altLang="en-US" dirty="0"/>
+                        <a:t>킬 사냥터</a:t>
+                      </a:r>
+                    </a:p>
+                  </a:txBody>
+                  <a:tcPr/>
+                </a:tc>
+                <a:tc>
+                  <a:txBody>
+                    <a:bodyPr/>
+                    <a:lstStyle/>
+                    <a:p>
+                      <a:pPr algn="ctr" latinLnBrk="1"/>
+                      <a:endParaRPr lang="ko-KR" altLang="en-US" dirty="0"/>
+                    </a:p>
+                  </a:txBody>
+                  <a:tcPr/>
+                </a:tc>
+                <a:tc>
+                  <a:txBody>
+                    <a:bodyPr/>
+                    <a:lstStyle/>
+                    <a:p>
+                      <a:pPr algn="ctr" latinLnBrk="1"/>
+                      <a:r>
+                        <a:rPr lang="ko-KR" altLang="en-US" dirty="0" err="1"/>
+                        <a:t>초탄</a:t>
+                      </a:r>
+                      <a:endParaRPr lang="ko-KR" altLang="en-US" dirty="0"/>
+                    </a:p>
+                  </a:txBody>
+                  <a:tcPr/>
+                </a:tc>
+                <a:tc>
+                  <a:txBody>
+                    <a:bodyPr/>
+                    <a:lstStyle/>
+                    <a:p>
+                      <a:pPr algn="ctr" latinLnBrk="1"/>
+                      <a:r>
+                        <a:rPr lang="en-US" altLang="ko-KR" dirty="0"/>
+                        <a:t>0.5</a:t>
+                      </a:r>
+                      <a:endParaRPr lang="ko-KR" altLang="en-US" dirty="0"/>
+                    </a:p>
+                  </a:txBody>
+                  <a:tcPr/>
+                </a:tc>
+                <a:tc>
+                  <a:txBody>
+                    <a:bodyPr/>
+                    <a:lstStyle/>
+                    <a:p>
+                      <a:pPr algn="ctr" latinLnBrk="1"/>
+                      <a:r>
+                        <a:rPr lang="en-US" altLang="ko-KR" dirty="0"/>
+                        <a:t>1</a:t>
+                      </a:r>
+                      <a:endParaRPr lang="ko-KR" altLang="en-US" dirty="0"/>
+                    </a:p>
+                  </a:txBody>
+                  <a:tcPr/>
+                </a:tc>
+                <a:tc>
+                  <a:txBody>
+                    <a:bodyPr/>
+                    <a:lstStyle/>
+                    <a:p>
+                      <a:pPr algn="ctr" latinLnBrk="1"/>
+                      <a:r>
+                        <a:rPr lang="en-US" altLang="ko-KR" dirty="0"/>
+                        <a:t>1.5</a:t>
+                      </a:r>
+                      <a:endParaRPr lang="ko-KR" altLang="en-US" dirty="0"/>
+                    </a:p>
+                  </a:txBody>
+                  <a:tcPr/>
+                </a:tc>
+                <a:tc>
+                  <a:txBody>
+                    <a:bodyPr/>
+                    <a:lstStyle/>
+                    <a:p>
+                      <a:pPr algn="ctr" latinLnBrk="1"/>
+                      <a:r>
+                        <a:rPr lang="en-US" altLang="ko-KR" dirty="0"/>
+                        <a:t>2</a:t>
+                      </a:r>
+                      <a:endParaRPr lang="ko-KR" altLang="en-US" dirty="0"/>
+                    </a:p>
+                  </a:txBody>
+                  <a:tcPr/>
+                </a:tc>
+                <a:tc>
+                  <a:txBody>
+                    <a:bodyPr/>
+                    <a:lstStyle/>
+                    <a:p>
+                      <a:pPr algn="ctr" latinLnBrk="1"/>
+                      <a:r>
+                        <a:rPr lang="en-US" altLang="ko-KR" dirty="0"/>
+                        <a:t>2.5</a:t>
+                      </a:r>
+                      <a:endParaRPr lang="ko-KR" altLang="en-US" dirty="0"/>
+                    </a:p>
+                  </a:txBody>
+                  <a:tcPr/>
+                </a:tc>
+                <a:tc>
+                  <a:txBody>
+                    <a:bodyPr/>
+                    <a:lstStyle/>
+                    <a:p>
+                      <a:pPr algn="ctr" latinLnBrk="1"/>
+                      <a:r>
+                        <a:rPr lang="en-US" altLang="ko-KR" dirty="0"/>
+                        <a:t>3</a:t>
+                      </a:r>
+                      <a:endParaRPr lang="ko-KR" altLang="en-US" dirty="0"/>
+                    </a:p>
+                  </a:txBody>
+                  <a:tcPr/>
+                </a:tc>
+                <a:tc>
+                  <a:txBody>
+                    <a:bodyPr/>
+                    <a:lstStyle/>
+                    <a:p>
+                      <a:pPr algn="ctr" latinLnBrk="1"/>
+                      <a:r>
+                        <a:rPr lang="en-US" altLang="ko-KR" dirty="0"/>
+                        <a:t>3.5</a:t>
+                      </a:r>
+                      <a:endParaRPr lang="ko-KR" altLang="en-US" dirty="0"/>
+                    </a:p>
+                  </a:txBody>
+                  <a:tcPr/>
+                </a:tc>
+                <a:tc>
+                  <a:txBody>
+                    <a:bodyPr/>
+                    <a:lstStyle/>
+                    <a:p>
+                      <a:pPr algn="ctr" latinLnBrk="1"/>
+                      <a:r>
+                        <a:rPr lang="en-US" altLang="ko-KR" dirty="0"/>
+                        <a:t>4</a:t>
+                      </a:r>
+                      <a:endParaRPr lang="ko-KR" altLang="en-US" dirty="0"/>
+                    </a:p>
+                  </a:txBody>
+                  <a:tcPr/>
+                </a:tc>
+                <a:tc>
+                  <a:txBody>
+                    <a:bodyPr/>
+                    <a:lstStyle/>
+                    <a:p>
+                      <a:pPr algn="ctr" latinLnBrk="1"/>
+                      <a:r>
+                        <a:rPr lang="en-US" altLang="ko-KR" dirty="0"/>
+                        <a:t>4.5</a:t>
+                      </a:r>
+                      <a:endParaRPr lang="ko-KR" altLang="en-US" dirty="0"/>
+                    </a:p>
+                  </a:txBody>
+                  <a:tcPr/>
+                </a:tc>
+                <a:tc>
+                  <a:txBody>
+                    <a:bodyPr/>
+                    <a:lstStyle/>
+                    <a:p>
+                      <a:pPr algn="ctr" latinLnBrk="1"/>
+                      <a:r>
+                        <a:rPr lang="en-US" altLang="ko-KR" dirty="0"/>
+                        <a:t>5</a:t>
+                      </a:r>
+                      <a:endParaRPr lang="ko-KR" altLang="en-US" dirty="0"/>
+                    </a:p>
+                  </a:txBody>
+                  <a:tcPr/>
+                </a:tc>
+                <a:tc>
+                  <a:txBody>
+                    <a:bodyPr/>
+                    <a:lstStyle/>
+                    <a:p>
+                      <a:pPr algn="ctr" latinLnBrk="1"/>
+                      <a:r>
+                        <a:rPr lang="en-US" altLang="ko-KR" dirty="0"/>
+                        <a:t>5.5</a:t>
+                      </a:r>
+                      <a:endParaRPr lang="ko-KR" altLang="en-US" dirty="0"/>
+                    </a:p>
+                  </a:txBody>
+                  <a:tcPr/>
+                </a:tc>
+                <a:tc>
+                  <a:txBody>
+                    <a:bodyPr/>
+                    <a:lstStyle/>
+                    <a:p>
+                      <a:pPr algn="ctr" latinLnBrk="1"/>
+                      <a:r>
+                        <a:rPr lang="en-US" altLang="ko-KR" dirty="0"/>
+                        <a:t>6</a:t>
+                      </a:r>
+                      <a:endParaRPr lang="ko-KR" altLang="en-US" dirty="0"/>
+                    </a:p>
+                  </a:txBody>
+                  <a:tcPr/>
+                </a:tc>
+                <a:tc>
+                  <a:txBody>
+                    <a:bodyPr/>
+                    <a:lstStyle/>
+                    <a:p>
+                      <a:pPr algn="ctr" latinLnBrk="1"/>
+                      <a:r>
+                        <a:rPr lang="en-US" altLang="ko-KR" dirty="0"/>
+                        <a:t>6.5</a:t>
+                      </a:r>
+                      <a:endParaRPr lang="ko-KR" altLang="en-US" dirty="0"/>
+                    </a:p>
+                  </a:txBody>
+                  <a:tcPr/>
+                </a:tc>
+                <a:tc>
+                  <a:txBody>
+                    <a:bodyPr/>
+                    <a:lstStyle/>
+                    <a:p>
+                      <a:pPr algn="ctr" latinLnBrk="1"/>
+                      <a:r>
+                        <a:rPr lang="en-US" altLang="ko-KR" dirty="0"/>
+                        <a:t>7</a:t>
+                      </a:r>
+                      <a:endParaRPr lang="ko-KR" altLang="en-US" dirty="0"/>
+                    </a:p>
+                  </a:txBody>
+                  <a:tcPr/>
+                </a:tc>
+                <a:tc>
+                  <a:txBody>
+                    <a:bodyPr/>
+                    <a:lstStyle/>
+                    <a:p>
+                      <a:pPr algn="ctr" latinLnBrk="1"/>
+                      <a:r>
+                        <a:rPr lang="en-US" altLang="ko-KR" dirty="0"/>
+                        <a:t>7.5</a:t>
+                      </a:r>
+                      <a:endParaRPr lang="ko-KR" altLang="en-US" dirty="0"/>
+                    </a:p>
+                  </a:txBody>
+                  <a:tcPr/>
+                </a:tc>
+                <a:extLst>
+                  <a:ext uri="{0D108BD9-81ED-4DB2-BD59-A6C34878D82A}">
+                    <a16:rowId xmlns:a16="http://schemas.microsoft.com/office/drawing/2014/main" val="1212102561"/>
+                  </a:ext>
+                </a:extLst>
+              </a:tr>
+              <a:tr h="282151">
+                <a:tc>
+                  <a:txBody>
+                    <a:bodyPr/>
+                    <a:lstStyle/>
+                    <a:p>
+                      <a:pPr algn="ctr" latinLnBrk="1"/>
+                      <a:r>
+                        <a:rPr lang="en-US" altLang="ko-KR" dirty="0"/>
+                        <a:t>1.5</a:t>
+                      </a:r>
+                      <a:r>
+                        <a:rPr lang="ko-KR" altLang="en-US" dirty="0"/>
+                        <a:t>초에 </a:t>
+                      </a:r>
+                      <a:r>
+                        <a:rPr lang="en-US" altLang="ko-KR" dirty="0"/>
+                        <a:t>1</a:t>
+                      </a:r>
+                      <a:r>
+                        <a:rPr lang="ko-KR" altLang="en-US" dirty="0"/>
+                        <a:t>발</a:t>
+                      </a:r>
+                      <a:endParaRPr lang="en-US" altLang="ko-KR" dirty="0"/>
+                    </a:p>
+                  </a:txBody>
+                  <a:tcPr/>
+                </a:tc>
+                <a:tc>
+                  <a:txBody>
+                    <a:bodyPr/>
+                    <a:lstStyle/>
+                    <a:p>
+                      <a:pPr algn="ctr" latinLnBrk="1"/>
+                      <a:r>
+                        <a:rPr lang="en-US" altLang="ko-KR" dirty="0"/>
+                        <a:t>SG</a:t>
+                      </a:r>
+                      <a:endParaRPr lang="ko-KR" altLang="en-US" dirty="0"/>
+                    </a:p>
+                  </a:txBody>
+                  <a:tcPr/>
+                </a:tc>
+                <a:tc>
+                  <a:txBody>
+                    <a:bodyPr/>
+                    <a:lstStyle/>
+                    <a:p>
+                      <a:pPr algn="ctr" latinLnBrk="1"/>
+                      <a:r>
+                        <a:rPr lang="en-US" altLang="ko-KR" dirty="0"/>
+                        <a:t>1</a:t>
+                      </a:r>
+                      <a:r>
+                        <a:rPr lang="ko-KR" altLang="en-US" dirty="0"/>
+                        <a:t>킬</a:t>
+                      </a:r>
+                    </a:p>
+                  </a:txBody>
+                  <a:tcPr/>
+                </a:tc>
+                <a:tc>
+                  <a:txBody>
+                    <a:bodyPr/>
+                    <a:lstStyle/>
+                    <a:p>
+                      <a:pPr algn="ctr" latinLnBrk="1"/>
+                      <a:endParaRPr lang="ko-KR" altLang="en-US" dirty="0"/>
+                    </a:p>
+                  </a:txBody>
+                  <a:tcPr/>
+                </a:tc>
+                <a:tc>
+                  <a:txBody>
+                    <a:bodyPr/>
+                    <a:lstStyle/>
+                    <a:p>
+                      <a:pPr algn="ctr" latinLnBrk="1"/>
+                      <a:endParaRPr lang="ko-KR" altLang="en-US" dirty="0"/>
+                    </a:p>
+                  </a:txBody>
+                  <a:tcPr/>
+                </a:tc>
+                <a:tc>
+                  <a:txBody>
+                    <a:bodyPr/>
+                    <a:lstStyle/>
+                    <a:p>
+                      <a:pPr algn="ctr" latinLnBrk="1"/>
+                      <a:r>
+                        <a:rPr lang="en-US" altLang="ko-KR" dirty="0"/>
+                        <a:t>2</a:t>
+                      </a:r>
+                      <a:r>
+                        <a:rPr lang="ko-KR" altLang="en-US" dirty="0"/>
+                        <a:t>킬</a:t>
+                      </a:r>
+                    </a:p>
+                  </a:txBody>
+                  <a:tcPr/>
+                </a:tc>
+                <a:tc>
+                  <a:txBody>
+                    <a:bodyPr/>
+                    <a:lstStyle/>
+                    <a:p>
+                      <a:pPr algn="ctr" latinLnBrk="1"/>
+                      <a:endParaRPr lang="ko-KR" altLang="en-US" dirty="0"/>
+                    </a:p>
+                  </a:txBody>
+                  <a:tcPr/>
+                </a:tc>
+                <a:tc>
+                  <a:txBody>
+                    <a:bodyPr/>
+                    <a:lstStyle/>
+                    <a:p>
+                      <a:pPr algn="ctr" latinLnBrk="1"/>
+                      <a:endParaRPr lang="ko-KR" altLang="en-US" dirty="0"/>
+                    </a:p>
+                  </a:txBody>
+                  <a:tcPr/>
+                </a:tc>
+                <a:tc>
+                  <a:txBody>
+                    <a:bodyPr/>
+                    <a:lstStyle/>
+                    <a:p>
+                      <a:pPr algn="ctr" latinLnBrk="1"/>
+                      <a:r>
+                        <a:rPr lang="en-US" altLang="ko-KR" dirty="0"/>
+                        <a:t>3</a:t>
+                      </a:r>
+                      <a:r>
+                        <a:rPr lang="ko-KR" altLang="en-US" dirty="0"/>
+                        <a:t>킬</a:t>
+                      </a:r>
+                    </a:p>
+                  </a:txBody>
+                  <a:tcPr/>
+                </a:tc>
+                <a:tc>
+                  <a:txBody>
+                    <a:bodyPr/>
+                    <a:lstStyle/>
+                    <a:p>
+                      <a:pPr algn="ctr" latinLnBrk="1"/>
+                      <a:endParaRPr lang="ko-KR" altLang="en-US" dirty="0"/>
+                    </a:p>
+                  </a:txBody>
+                  <a:tcPr/>
+                </a:tc>
+                <a:tc>
+                  <a:txBody>
+                    <a:bodyPr/>
+                    <a:lstStyle/>
+                    <a:p>
+                      <a:pPr algn="ctr" latinLnBrk="1"/>
+                      <a:endParaRPr lang="ko-KR" altLang="en-US" dirty="0"/>
+                    </a:p>
+                  </a:txBody>
+                  <a:tcPr/>
+                </a:tc>
+                <a:tc>
+                  <a:txBody>
+                    <a:bodyPr/>
+                    <a:lstStyle/>
+                    <a:p>
+                      <a:pPr algn="ctr" latinLnBrk="1"/>
+                      <a:r>
+                        <a:rPr lang="en-US" altLang="ko-KR" dirty="0"/>
+                        <a:t>4</a:t>
+                      </a:r>
+                      <a:r>
+                        <a:rPr lang="ko-KR" altLang="en-US" dirty="0"/>
+                        <a:t>킬</a:t>
+                      </a:r>
+                    </a:p>
+                  </a:txBody>
+                  <a:tcPr/>
+                </a:tc>
+                <a:tc>
+                  <a:txBody>
+                    <a:bodyPr/>
+                    <a:lstStyle/>
+                    <a:p>
+                      <a:pPr algn="ctr" latinLnBrk="1"/>
+                      <a:endParaRPr lang="ko-KR" altLang="en-US" dirty="0"/>
+                    </a:p>
+                  </a:txBody>
+                  <a:tcPr/>
+                </a:tc>
+                <a:tc>
+                  <a:txBody>
+                    <a:bodyPr/>
+                    <a:lstStyle/>
+                    <a:p>
+                      <a:pPr algn="ctr" latinLnBrk="1"/>
+                      <a:endParaRPr lang="ko-KR" altLang="en-US" dirty="0"/>
+                    </a:p>
+                  </a:txBody>
+                  <a:tcPr/>
+                </a:tc>
+                <a:tc>
+                  <a:txBody>
+                    <a:bodyPr/>
+                    <a:lstStyle/>
+                    <a:p>
+                      <a:pPr algn="ctr" latinLnBrk="1"/>
+                      <a:r>
+                        <a:rPr lang="en-US" altLang="ko-KR" dirty="0"/>
+                        <a:t>5</a:t>
+                      </a:r>
+                      <a:r>
+                        <a:rPr lang="ko-KR" altLang="en-US" dirty="0"/>
+                        <a:t>킬</a:t>
+                      </a:r>
+                    </a:p>
+                  </a:txBody>
+                  <a:tcPr/>
+                </a:tc>
+                <a:tc>
+                  <a:txBody>
+                    <a:bodyPr/>
+                    <a:lstStyle/>
+                    <a:p>
+                      <a:pPr algn="ctr" latinLnBrk="1"/>
+                      <a:endParaRPr lang="ko-KR" altLang="en-US" dirty="0"/>
+                    </a:p>
+                  </a:txBody>
+                  <a:tcPr/>
+                </a:tc>
+                <a:tc>
+                  <a:txBody>
+                    <a:bodyPr/>
+                    <a:lstStyle/>
+                    <a:p>
+                      <a:pPr algn="ctr" latinLnBrk="1"/>
+                      <a:endParaRPr lang="ko-KR" altLang="en-US" dirty="0"/>
+                    </a:p>
+                  </a:txBody>
+                  <a:tcPr/>
+                </a:tc>
+                <a:tc>
+                  <a:txBody>
+                    <a:bodyPr/>
+                    <a:lstStyle/>
+                    <a:p>
+                      <a:pPr algn="ctr" latinLnBrk="1"/>
+                      <a:r>
+                        <a:rPr lang="en-US" altLang="ko-KR" dirty="0"/>
+                        <a:t>6</a:t>
+                      </a:r>
+                      <a:r>
+                        <a:rPr lang="ko-KR" altLang="en-US" dirty="0"/>
+                        <a:t>킬</a:t>
+                      </a:r>
+                    </a:p>
+                  </a:txBody>
+                  <a:tcPr/>
+                </a:tc>
+                <a:extLst>
+                  <a:ext uri="{0D108BD9-81ED-4DB2-BD59-A6C34878D82A}">
+                    <a16:rowId xmlns:a16="http://schemas.microsoft.com/office/drawing/2014/main" val="1734742922"/>
+                  </a:ext>
+                </a:extLst>
+              </a:tr>
+              <a:tr h="282151">
+                <a:tc>
+                  <a:txBody>
+                    <a:bodyPr/>
+                    <a:lstStyle/>
+                    <a:p>
+                      <a:pPr algn="ctr" latinLnBrk="1"/>
+                      <a:r>
+                        <a:rPr lang="en-US" altLang="ko-KR" dirty="0"/>
+                        <a:t>0.5</a:t>
+                      </a:r>
+                      <a:r>
+                        <a:rPr lang="ko-KR" altLang="en-US" dirty="0"/>
+                        <a:t>초에 </a:t>
+                      </a:r>
+                      <a:r>
+                        <a:rPr lang="en-US" altLang="ko-KR" dirty="0"/>
+                        <a:t>1</a:t>
+                      </a:r>
+                      <a:r>
+                        <a:rPr lang="ko-KR" altLang="en-US" dirty="0"/>
+                        <a:t>발</a:t>
+                      </a:r>
+                    </a:p>
+                  </a:txBody>
+                  <a:tcPr/>
+                </a:tc>
+                <a:tc>
+                  <a:txBody>
+                    <a:bodyPr/>
+                    <a:lstStyle/>
+                    <a:p>
+                      <a:pPr algn="ctr" latinLnBrk="1"/>
+                      <a:r>
+                        <a:rPr lang="en-US" altLang="ko-KR" dirty="0"/>
+                        <a:t>AR</a:t>
+                      </a:r>
+                      <a:endParaRPr lang="ko-KR" altLang="en-US" dirty="0"/>
+                    </a:p>
+                  </a:txBody>
+                  <a:tcPr/>
+                </a:tc>
+                <a:tc>
+                  <a:txBody>
+                    <a:bodyPr/>
+                    <a:lstStyle/>
+                    <a:p>
+                      <a:pPr algn="ctr" latinLnBrk="1"/>
+                      <a:r>
+                        <a:rPr lang="en-US" altLang="ko-KR" dirty="0"/>
+                        <a:t>-</a:t>
+                      </a:r>
+                      <a:endParaRPr lang="ko-KR" altLang="en-US" dirty="0"/>
+                    </a:p>
+                  </a:txBody>
+                  <a:tcPr/>
+                </a:tc>
+                <a:tc>
+                  <a:txBody>
+                    <a:bodyPr/>
+                    <a:lstStyle/>
+                    <a:p>
+                      <a:pPr algn="ctr" latinLnBrk="1"/>
+                      <a:r>
+                        <a:rPr lang="en-US" altLang="ko-KR" dirty="0"/>
+                        <a:t>-</a:t>
+                      </a:r>
+                      <a:endParaRPr lang="ko-KR" altLang="en-US" dirty="0"/>
+                    </a:p>
+                  </a:txBody>
+                  <a:tcPr/>
+                </a:tc>
+                <a:tc>
+                  <a:txBody>
+                    <a:bodyPr/>
+                    <a:lstStyle/>
+                    <a:p>
+                      <a:pPr algn="ctr" latinLnBrk="1"/>
+                      <a:r>
+                        <a:rPr lang="en-US" altLang="ko-KR" dirty="0"/>
+                        <a:t>1</a:t>
+                      </a:r>
+                      <a:r>
+                        <a:rPr lang="ko-KR" altLang="en-US" dirty="0"/>
+                        <a:t>킬</a:t>
+                      </a:r>
+                    </a:p>
+                  </a:txBody>
+                  <a:tcPr/>
+                </a:tc>
+                <a:tc>
+                  <a:txBody>
+                    <a:bodyPr/>
+                    <a:lstStyle/>
+                    <a:p>
+                      <a:pPr algn="ctr" latinLnBrk="1"/>
+                      <a:r>
+                        <a:rPr lang="en-US" altLang="ko-KR" dirty="0"/>
+                        <a:t>-</a:t>
+                      </a:r>
+                      <a:endParaRPr lang="ko-KR" altLang="en-US" dirty="0"/>
+                    </a:p>
+                  </a:txBody>
+                  <a:tcPr/>
+                </a:tc>
+                <a:tc>
+                  <a:txBody>
+                    <a:bodyPr/>
+                    <a:lstStyle/>
+                    <a:p>
+                      <a:pPr algn="ctr" latinLnBrk="1"/>
+                      <a:r>
+                        <a:rPr lang="en-US" altLang="ko-KR" dirty="0"/>
+                        <a:t>-</a:t>
+                      </a:r>
+                      <a:endParaRPr lang="ko-KR" altLang="en-US" dirty="0"/>
+                    </a:p>
+                  </a:txBody>
+                  <a:tcPr/>
+                </a:tc>
+                <a:tc>
+                  <a:txBody>
+                    <a:bodyPr/>
+                    <a:lstStyle/>
+                    <a:p>
+                      <a:pPr algn="ctr" latinLnBrk="1"/>
+                      <a:r>
+                        <a:rPr lang="en-US" altLang="ko-KR" dirty="0"/>
+                        <a:t>2</a:t>
+                      </a:r>
+                      <a:r>
+                        <a:rPr lang="ko-KR" altLang="en-US" dirty="0"/>
+                        <a:t>킬</a:t>
+                      </a:r>
+                    </a:p>
+                  </a:txBody>
+                  <a:tcPr/>
+                </a:tc>
+                <a:tc>
+                  <a:txBody>
+                    <a:bodyPr/>
+                    <a:lstStyle/>
+                    <a:p>
+                      <a:pPr algn="ctr" latinLnBrk="1"/>
+                      <a:r>
+                        <a:rPr lang="en-US" altLang="ko-KR" dirty="0"/>
+                        <a:t>-</a:t>
+                      </a:r>
+                      <a:endParaRPr lang="ko-KR" altLang="en-US" dirty="0"/>
+                    </a:p>
+                  </a:txBody>
+                  <a:tcPr/>
+                </a:tc>
+                <a:tc>
+                  <a:txBody>
+                    <a:bodyPr/>
+                    <a:lstStyle/>
+                    <a:p>
+                      <a:pPr algn="ctr" latinLnBrk="1"/>
+                      <a:r>
+                        <a:rPr lang="en-US" altLang="ko-KR" dirty="0"/>
+                        <a:t>-</a:t>
+                      </a:r>
+                      <a:endParaRPr lang="ko-KR" altLang="en-US" dirty="0"/>
+                    </a:p>
+                  </a:txBody>
+                  <a:tcPr/>
+                </a:tc>
+                <a:tc>
+                  <a:txBody>
+                    <a:bodyPr/>
+                    <a:lstStyle/>
+                    <a:p>
+                      <a:pPr algn="ctr" latinLnBrk="1"/>
+                      <a:r>
+                        <a:rPr lang="en-US" altLang="ko-KR" dirty="0"/>
+                        <a:t>3</a:t>
+                      </a:r>
+                      <a:r>
+                        <a:rPr lang="ko-KR" altLang="en-US" dirty="0"/>
+                        <a:t>킬</a:t>
+                      </a:r>
+                    </a:p>
+                  </a:txBody>
+                  <a:tcPr/>
+                </a:tc>
+                <a:tc>
+                  <a:txBody>
+                    <a:bodyPr/>
+                    <a:lstStyle/>
+                    <a:p>
+                      <a:pPr algn="ctr" latinLnBrk="1"/>
+                      <a:r>
+                        <a:rPr lang="en-US" altLang="ko-KR" dirty="0"/>
+                        <a:t>-</a:t>
+                      </a:r>
+                      <a:endParaRPr lang="ko-KR" altLang="en-US" dirty="0"/>
+                    </a:p>
+                  </a:txBody>
+                  <a:tcPr/>
+                </a:tc>
+                <a:tc>
+                  <a:txBody>
+                    <a:bodyPr/>
+                    <a:lstStyle/>
+                    <a:p>
+                      <a:pPr algn="ctr" latinLnBrk="1"/>
+                      <a:r>
+                        <a:rPr lang="en-US" altLang="ko-KR" dirty="0"/>
+                        <a:t>-</a:t>
+                      </a:r>
+                      <a:endParaRPr lang="ko-KR" altLang="en-US" dirty="0"/>
+                    </a:p>
+                  </a:txBody>
+                  <a:tcPr/>
+                </a:tc>
+                <a:tc>
+                  <a:txBody>
+                    <a:bodyPr/>
+                    <a:lstStyle/>
+                    <a:p>
+                      <a:pPr algn="ctr" latinLnBrk="1"/>
+                      <a:r>
+                        <a:rPr lang="en-US" altLang="ko-KR" dirty="0"/>
+                        <a:t>4</a:t>
+                      </a:r>
+                      <a:r>
+                        <a:rPr lang="ko-KR" altLang="en-US" dirty="0"/>
+                        <a:t>킬</a:t>
+                      </a:r>
+                    </a:p>
+                  </a:txBody>
+                  <a:tcPr/>
+                </a:tc>
+                <a:tc>
+                  <a:txBody>
+                    <a:bodyPr/>
+                    <a:lstStyle/>
+                    <a:p>
+                      <a:pPr algn="ctr" latinLnBrk="1"/>
+                      <a:r>
+                        <a:rPr lang="en-US" altLang="ko-KR" dirty="0"/>
+                        <a:t>-</a:t>
+                      </a:r>
+                      <a:endParaRPr lang="ko-KR" altLang="en-US" dirty="0"/>
+                    </a:p>
+                  </a:txBody>
+                  <a:tcPr/>
+                </a:tc>
+                <a:tc>
+                  <a:txBody>
+                    <a:bodyPr/>
+                    <a:lstStyle/>
+                    <a:p>
+                      <a:pPr algn="ctr" latinLnBrk="1"/>
+                      <a:r>
+                        <a:rPr lang="en-US" altLang="ko-KR" dirty="0"/>
+                        <a:t>-</a:t>
+                      </a:r>
+                      <a:endParaRPr lang="ko-KR" altLang="en-US" dirty="0"/>
+                    </a:p>
+                  </a:txBody>
+                  <a:tcPr/>
+                </a:tc>
+                <a:tc>
+                  <a:txBody>
+                    <a:bodyPr/>
+                    <a:lstStyle/>
+                    <a:p>
+                      <a:pPr algn="ctr" latinLnBrk="1"/>
+                      <a:r>
+                        <a:rPr lang="en-US" altLang="ko-KR" dirty="0"/>
+                        <a:t>5</a:t>
+                      </a:r>
+                      <a:r>
+                        <a:rPr lang="ko-KR" altLang="en-US" dirty="0"/>
+                        <a:t>킬</a:t>
+                      </a:r>
+                    </a:p>
+                  </a:txBody>
+                  <a:tcPr/>
+                </a:tc>
+                <a:tc>
+                  <a:txBody>
+                    <a:bodyPr/>
+                    <a:lstStyle/>
+                    <a:p>
+                      <a:pPr algn="ctr" latinLnBrk="1"/>
+                      <a:r>
+                        <a:rPr lang="en-US" altLang="ko-KR" dirty="0"/>
+                        <a:t>-</a:t>
+                      </a:r>
+                      <a:endParaRPr lang="ko-KR" altLang="en-US" dirty="0"/>
+                    </a:p>
+                  </a:txBody>
+                  <a:tcPr/>
+                </a:tc>
+                <a:extLst>
+                  <a:ext uri="{0D108BD9-81ED-4DB2-BD59-A6C34878D82A}">
+                    <a16:rowId xmlns:a16="http://schemas.microsoft.com/office/drawing/2014/main" val="1513614574"/>
+                  </a:ext>
+                </a:extLst>
+              </a:tr>
+              <a:tr h="282151">
+                <a:tc>
+                  <a:txBody>
+                    <a:bodyPr/>
+                    <a:lstStyle/>
+                    <a:p>
+                      <a:pPr algn="ctr" latinLnBrk="1"/>
+                      <a:r>
+                        <a:rPr lang="en-US" altLang="ko-KR" dirty="0"/>
+                        <a:t>1.5</a:t>
+                      </a:r>
+                      <a:r>
+                        <a:rPr lang="ko-KR" altLang="en-US" dirty="0"/>
+                        <a:t>초에 </a:t>
+                      </a:r>
+                      <a:r>
+                        <a:rPr lang="en-US" altLang="ko-KR" dirty="0"/>
+                        <a:t>1</a:t>
+                      </a:r>
+                      <a:r>
+                        <a:rPr lang="ko-KR" altLang="en-US" dirty="0"/>
+                        <a:t>발</a:t>
+                      </a:r>
+                    </a:p>
+                  </a:txBody>
+                  <a:tcPr/>
+                </a:tc>
+                <a:tc>
+                  <a:txBody>
+                    <a:bodyPr/>
+                    <a:lstStyle/>
+                    <a:p>
+                      <a:pPr algn="ctr" latinLnBrk="1"/>
+                      <a:r>
+                        <a:rPr lang="en-US" altLang="ko-KR" dirty="0"/>
+                        <a:t>SR</a:t>
+                      </a:r>
+                      <a:endParaRPr lang="ko-KR" altLang="en-US" dirty="0"/>
+                    </a:p>
+                  </a:txBody>
+                  <a:tcPr/>
+                </a:tc>
+                <a:tc>
+                  <a:txBody>
+                    <a:bodyPr/>
+                    <a:lstStyle/>
+                    <a:p>
+                      <a:pPr algn="ctr" latinLnBrk="1"/>
+                      <a:r>
+                        <a:rPr lang="en-US" altLang="ko-KR" dirty="0"/>
+                        <a:t>1</a:t>
+                      </a:r>
+                      <a:r>
+                        <a:rPr lang="ko-KR" altLang="en-US" dirty="0"/>
+                        <a:t>킬</a:t>
+                      </a:r>
+                    </a:p>
+                  </a:txBody>
+                  <a:tcPr/>
+                </a:tc>
+                <a:tc>
+                  <a:txBody>
+                    <a:bodyPr/>
+                    <a:lstStyle/>
+                    <a:p>
+                      <a:pPr algn="ctr" latinLnBrk="1"/>
+                      <a:endParaRPr lang="ko-KR" altLang="en-US" dirty="0"/>
+                    </a:p>
+                  </a:txBody>
+                  <a:tcPr/>
+                </a:tc>
+                <a:tc>
+                  <a:txBody>
+                    <a:bodyPr/>
+                    <a:lstStyle/>
+                    <a:p>
+                      <a:pPr algn="ctr" latinLnBrk="1"/>
+                      <a:endParaRPr lang="ko-KR" altLang="en-US" dirty="0"/>
+                    </a:p>
+                  </a:txBody>
+                  <a:tcPr/>
+                </a:tc>
+                <a:tc>
+                  <a:txBody>
+                    <a:bodyPr/>
+                    <a:lstStyle/>
+                    <a:p>
+                      <a:pPr algn="ctr" latinLnBrk="1"/>
+                      <a:r>
+                        <a:rPr lang="en-US" altLang="ko-KR" dirty="0"/>
+                        <a:t>2</a:t>
+                      </a:r>
+                      <a:r>
+                        <a:rPr lang="ko-KR" altLang="en-US" dirty="0"/>
+                        <a:t>킬</a:t>
+                      </a:r>
+                    </a:p>
+                  </a:txBody>
+                  <a:tcPr/>
+                </a:tc>
+                <a:tc>
+                  <a:txBody>
+                    <a:bodyPr/>
+                    <a:lstStyle/>
+                    <a:p>
+                      <a:pPr algn="ctr" latinLnBrk="1"/>
+                      <a:endParaRPr lang="ko-KR" altLang="en-US" dirty="0"/>
+                    </a:p>
+                  </a:txBody>
+                  <a:tcPr/>
+                </a:tc>
+                <a:tc>
+                  <a:txBody>
+                    <a:bodyPr/>
+                    <a:lstStyle/>
+                    <a:p>
+                      <a:pPr algn="ctr" latinLnBrk="1"/>
+                      <a:endParaRPr lang="ko-KR" altLang="en-US" dirty="0"/>
+                    </a:p>
+                  </a:txBody>
+                  <a:tcPr/>
+                </a:tc>
+                <a:tc>
+                  <a:txBody>
+                    <a:bodyPr/>
+                    <a:lstStyle/>
+                    <a:p>
+                      <a:pPr algn="ctr" latinLnBrk="1"/>
+                      <a:r>
+                        <a:rPr lang="en-US" altLang="ko-KR" dirty="0"/>
+                        <a:t>3</a:t>
+                      </a:r>
+                      <a:r>
+                        <a:rPr lang="ko-KR" altLang="en-US" dirty="0"/>
+                        <a:t>킬</a:t>
+                      </a:r>
+                    </a:p>
+                  </a:txBody>
+                  <a:tcPr/>
+                </a:tc>
+                <a:tc>
+                  <a:txBody>
+                    <a:bodyPr/>
+                    <a:lstStyle/>
+                    <a:p>
+                      <a:pPr algn="ctr" latinLnBrk="1"/>
+                      <a:endParaRPr lang="ko-KR" altLang="en-US" dirty="0"/>
+                    </a:p>
+                  </a:txBody>
+                  <a:tcPr/>
+                </a:tc>
+                <a:tc>
+                  <a:txBody>
+                    <a:bodyPr/>
+                    <a:lstStyle/>
+                    <a:p>
+                      <a:pPr algn="ctr" latinLnBrk="1"/>
+                      <a:endParaRPr lang="ko-KR" altLang="en-US" dirty="0"/>
+                    </a:p>
+                  </a:txBody>
+                  <a:tcPr/>
+                </a:tc>
+                <a:tc>
+                  <a:txBody>
+                    <a:bodyPr/>
+                    <a:lstStyle/>
+                    <a:p>
+                      <a:pPr algn="ctr" latinLnBrk="1"/>
+                      <a:r>
+                        <a:rPr lang="en-US" altLang="ko-KR" dirty="0"/>
+                        <a:t>4</a:t>
+                      </a:r>
+                      <a:r>
+                        <a:rPr lang="ko-KR" altLang="en-US" dirty="0"/>
+                        <a:t>킬</a:t>
+                      </a:r>
+                    </a:p>
+                  </a:txBody>
+                  <a:tcPr/>
+                </a:tc>
+                <a:tc>
+                  <a:txBody>
+                    <a:bodyPr/>
+                    <a:lstStyle/>
+                    <a:p>
+                      <a:pPr algn="ctr" latinLnBrk="1"/>
+                      <a:endParaRPr lang="ko-KR" altLang="en-US" dirty="0"/>
+                    </a:p>
+                  </a:txBody>
+                  <a:tcPr/>
+                </a:tc>
+                <a:tc>
+                  <a:txBody>
+                    <a:bodyPr/>
+                    <a:lstStyle/>
+                    <a:p>
+                      <a:pPr algn="ctr" latinLnBrk="1"/>
+                      <a:endParaRPr lang="ko-KR" altLang="en-US" dirty="0"/>
+                    </a:p>
+                  </a:txBody>
+                  <a:tcPr/>
+                </a:tc>
+                <a:tc>
+                  <a:txBody>
+                    <a:bodyPr/>
+                    <a:lstStyle/>
+                    <a:p>
+                      <a:pPr algn="ctr" latinLnBrk="1"/>
+                      <a:r>
+                        <a:rPr lang="en-US" altLang="ko-KR" dirty="0"/>
+                        <a:t>5</a:t>
+                      </a:r>
+                      <a:r>
+                        <a:rPr lang="ko-KR" altLang="en-US" dirty="0"/>
+                        <a:t>킬</a:t>
+                      </a:r>
+                    </a:p>
+                  </a:txBody>
+                  <a:tcPr/>
+                </a:tc>
+                <a:tc>
+                  <a:txBody>
+                    <a:bodyPr/>
+                    <a:lstStyle/>
+                    <a:p>
+                      <a:pPr algn="ctr" latinLnBrk="1"/>
+                      <a:endParaRPr lang="ko-KR" altLang="en-US" dirty="0"/>
+                    </a:p>
+                  </a:txBody>
+                  <a:tcPr/>
+                </a:tc>
+                <a:tc>
+                  <a:txBody>
+                    <a:bodyPr/>
+                    <a:lstStyle/>
+                    <a:p>
+                      <a:pPr algn="ctr" latinLnBrk="1"/>
+                      <a:endParaRPr lang="ko-KR" altLang="en-US" dirty="0"/>
+                    </a:p>
+                  </a:txBody>
+                  <a:tcPr/>
+                </a:tc>
+                <a:tc>
+                  <a:txBody>
+                    <a:bodyPr/>
+                    <a:lstStyle/>
+                    <a:p>
+                      <a:pPr algn="ctr" latinLnBrk="1"/>
+                      <a:r>
+                        <a:rPr lang="en-US" altLang="ko-KR" dirty="0"/>
+                        <a:t>6</a:t>
+                      </a:r>
+                      <a:r>
+                        <a:rPr lang="ko-KR" altLang="en-US" dirty="0"/>
+                        <a:t>킬</a:t>
+                      </a:r>
+                    </a:p>
+                  </a:txBody>
+                  <a:tcPr/>
+                </a:tc>
+                <a:extLst>
+                  <a:ext uri="{0D108BD9-81ED-4DB2-BD59-A6C34878D82A}">
+                    <a16:rowId xmlns:a16="http://schemas.microsoft.com/office/drawing/2014/main" val="200187993"/>
+                  </a:ext>
+                </a:extLst>
+              </a:tr>
+            </a:tbl>
+          </a:graphicData>
+        </a:graphic>
+      </p:graphicFrame>
+    </p:spTree>
+    <p:extLst>
+      <p:ext uri="{BB962C8B-B14F-4D97-AF65-F5344CB8AC3E}">
+        <p14:creationId xmlns:p14="http://schemas.microsoft.com/office/powerpoint/2010/main" val="3194620881"/>
+      </p:ext>
+    </p:extLst>
+  </p:cSld>
+  <p:clrMapOvr>
+    <a:masterClrMapping/>
+  </p:clrMapOvr>
+</p:sld>
+</file>
+
+<file path=ppt/slides/slide12.xml><?xml version="1.0" encoding="utf-8"?>
 <p:sld xmlns:a="http://schemas.openxmlformats.org/drawingml/2006/main" xmlns:r="http://schemas.openxmlformats.org/officeDocument/2006/relationships" xmlns:p="http://schemas.openxmlformats.org/presentationml/2006/main">
   <p:cSld>
     <p:spTree>
@@ -12919,7 +16967,7 @@
 </p:sld>
 </file>
 
-<file path=ppt/slides/slide12.xml><?xml version="1.0" encoding="utf-8"?>
+<file path=ppt/slides/slide13.xml><?xml version="1.0" encoding="utf-8"?>
 <p:sld xmlns:a="http://schemas.openxmlformats.org/drawingml/2006/main" xmlns:r="http://schemas.openxmlformats.org/officeDocument/2006/relationships" xmlns:p="http://schemas.openxmlformats.org/presentationml/2006/main">
   <p:cSld>
     <p:spTree>
@@ -16263,6 +20311,142 @@
           </a:fontRef>
         </p:style>
       </p:cxnSp>
+      <p:sp>
+        <p:nvSpPr>
+          <p:cNvPr id="4" name="TextBox 3">
+            <a:extLst>
+              <a:ext uri="{FF2B5EF4-FFF2-40B4-BE49-F238E27FC236}">
+                <a16:creationId xmlns:a16="http://schemas.microsoft.com/office/drawing/2014/main" id="{5BECED03-19F8-C12D-9B2C-202DF4C5DAF3}"/>
+              </a:ext>
+            </a:extLst>
+          </p:cNvPr>
+          <p:cNvSpPr txBox="1"/>
+          <p:nvPr/>
+        </p:nvSpPr>
+        <p:spPr>
+          <a:xfrm>
+            <a:off x="561589" y="1238013"/>
+            <a:ext cx="6086923" cy="738664"/>
+          </a:xfrm>
+          <a:prstGeom prst="rect">
+            <a:avLst/>
+          </a:prstGeom>
+          <a:noFill/>
+        </p:spPr>
+        <p:txBody>
+          <a:bodyPr wrap="none" rtlCol="0">
+            <a:spAutoFit/>
+          </a:bodyPr>
+          <a:lstStyle/>
+          <a:p>
+            <a:r>
+              <a:rPr lang="ko-KR" altLang="en-US" dirty="0">
+                <a:highlight>
+                  <a:srgbClr val="FFFF00"/>
+                </a:highlight>
+              </a:rPr>
+              <a:t>보상이 뜬다는 것 인지하는 것이 가장 중요</a:t>
+            </a:r>
+            <a:endParaRPr lang="en-US" altLang="ko-KR" dirty="0">
+              <a:highlight>
+                <a:srgbClr val="FFFF00"/>
+              </a:highlight>
+            </a:endParaRPr>
+          </a:p>
+          <a:p>
+            <a:r>
+              <a:rPr lang="ko-KR" altLang="en-US" dirty="0">
+                <a:highlight>
+                  <a:srgbClr val="FFFF00"/>
+                </a:highlight>
+              </a:rPr>
+              <a:t>총기별로 애니메이션 하나씩만 정해서 그것만 출력되게 하고</a:t>
+            </a:r>
+            <a:r>
+              <a:rPr lang="en-US" altLang="ko-KR" dirty="0">
+                <a:highlight>
+                  <a:srgbClr val="FFFF00"/>
+                </a:highlight>
+              </a:rPr>
+              <a:t> (</a:t>
+            </a:r>
+            <a:r>
+              <a:rPr lang="ko-KR" altLang="en-US" dirty="0">
+                <a:highlight>
+                  <a:srgbClr val="FFFF00"/>
+                </a:highlight>
+              </a:rPr>
+              <a:t>화면은 고정</a:t>
+            </a:r>
+            <a:r>
+              <a:rPr lang="en-US" altLang="ko-KR" dirty="0">
+                <a:highlight>
+                  <a:srgbClr val="FFFF00"/>
+                </a:highlight>
+              </a:rPr>
+              <a:t>)</a:t>
+            </a:r>
+          </a:p>
+          <a:p>
+            <a:r>
+              <a:rPr lang="ko-KR" altLang="en-US" dirty="0">
+                <a:highlight>
+                  <a:srgbClr val="FFFF00"/>
+                </a:highlight>
+              </a:rPr>
+              <a:t>어차피 들어가는 </a:t>
+            </a:r>
+            <a:r>
+              <a:rPr lang="ko-KR" altLang="en-US" dirty="0" err="1">
+                <a:highlight>
+                  <a:srgbClr val="FFFF00"/>
+                </a:highlight>
+              </a:rPr>
+              <a:t>재화량은</a:t>
+            </a:r>
+            <a:r>
+              <a:rPr lang="ko-KR" altLang="en-US" dirty="0">
+                <a:highlight>
+                  <a:srgbClr val="FFFF00"/>
+                </a:highlight>
+              </a:rPr>
+              <a:t> 계속 쌓이고</a:t>
+            </a:r>
+            <a:r>
+              <a:rPr lang="en-US" altLang="ko-KR" dirty="0">
+                <a:highlight>
+                  <a:srgbClr val="FFFF00"/>
+                </a:highlight>
+              </a:rPr>
+              <a:t> (</a:t>
+            </a:r>
+            <a:r>
+              <a:rPr lang="ko-KR" altLang="en-US" dirty="0" err="1">
+                <a:highlight>
+                  <a:srgbClr val="FFFF00"/>
+                </a:highlight>
+              </a:rPr>
+              <a:t>드랍되는</a:t>
+            </a:r>
+            <a:r>
+              <a:rPr lang="ko-KR" altLang="en-US" dirty="0">
+                <a:highlight>
+                  <a:srgbClr val="FFFF00"/>
+                </a:highlight>
+              </a:rPr>
+              <a:t> 이펙트만</a:t>
+            </a:r>
+            <a:r>
+              <a:rPr lang="en-US" altLang="ko-KR" dirty="0">
+                <a:highlight>
+                  <a:srgbClr val="FFFF00"/>
+                </a:highlight>
+              </a:rPr>
+              <a:t>)</a:t>
+            </a:r>
+          </a:p>
+        </p:txBody>
+      </p:sp>
     </p:spTree>
     <p:extLst>
       <p:ext uri="{BB962C8B-B14F-4D97-AF65-F5344CB8AC3E}">
